--- a/AIWM.pptx
+++ b/AIWM.pptx
@@ -5,7 +5,7 @@
     <p:sldMasterId id="2147483659" r:id="rId1"/>
   </p:sldMasterIdLst>
   <p:notesMasterIdLst>
-    <p:notesMasterId r:id="rId27"/>
+    <p:notesMasterId r:id="rId46"/>
   </p:notesMasterIdLst>
   <p:sldIdLst>
     <p:sldId id="256" r:id="rId2"/>
@@ -33,18 +33,33 @@
     <p:sldId id="278" r:id="rId24"/>
     <p:sldId id="279" r:id="rId25"/>
     <p:sldId id="280" r:id="rId26"/>
+    <p:sldId id="281" r:id="rId27"/>
+    <p:sldId id="282" r:id="rId28"/>
+    <p:sldId id="283" r:id="rId29"/>
+    <p:sldId id="284" r:id="rId30"/>
+    <p:sldId id="285" r:id="rId31"/>
+    <p:sldId id="286" r:id="rId32"/>
+    <p:sldId id="287" r:id="rId33"/>
+    <p:sldId id="288" r:id="rId34"/>
+    <p:sldId id="289" r:id="rId35"/>
+    <p:sldId id="290" r:id="rId36"/>
+    <p:sldId id="291" r:id="rId37"/>
+    <p:sldId id="292" r:id="rId38"/>
+    <p:sldId id="293" r:id="rId39"/>
+    <p:sldId id="294" r:id="rId40"/>
+    <p:sldId id="295" r:id="rId41"/>
+    <p:sldId id="296" r:id="rId42"/>
+    <p:sldId id="297" r:id="rId43"/>
+    <p:sldId id="298" r:id="rId44"/>
+    <p:sldId id="327" r:id="rId45"/>
   </p:sldIdLst>
   <p:sldSz cx="9144000" cy="5143500" type="screen16x9"/>
   <p:notesSz cx="6858000" cy="9144000"/>
   <p:embeddedFontLst>
     <p:embeddedFont>
-      <p:font typeface="Abadi" panose="020B0604020104020204" pitchFamily="34" charset="0"/>
-      <p:regular r:id="rId28"/>
-    </p:embeddedFont>
-    <p:embeddedFont>
       <p:font typeface="Oxygen" panose="02000503000000000000" pitchFamily="2" charset="0"/>
-      <p:regular r:id="rId29"/>
-      <p:bold r:id="rId30"/>
+      <p:regular r:id="rId47"/>
+      <p:bold r:id="rId48"/>
     </p:embeddedFont>
   </p:embeddedFontLst>
   <p:defaultTextStyle>
@@ -2504,12 +2519,12 @@
 </p:notes>
 </file>
 
-<file path=ppt/notesSlides/notesSlide3.xml><?xml version="1.0" encoding="utf-8"?>
+<file path=ppt/notesSlides/notesSlide25.xml><?xml version="1.0" encoding="utf-8"?>
 <p:notes xmlns:a="http://schemas.openxmlformats.org/drawingml/2006/main" xmlns:r="http://schemas.openxmlformats.org/officeDocument/2006/relationships" xmlns:p="http://schemas.openxmlformats.org/presentationml/2006/main" showMasterSp="0" showMasterPhAnim="0">
   <p:cSld>
     <p:spTree>
       <p:nvGrpSpPr>
-        <p:cNvPr id="1" name="Shape 61"/>
+        <p:cNvPr id="1" name="Shape 196"/>
         <p:cNvGrpSpPr/>
         <p:nvPr/>
       </p:nvGrpSpPr>
@@ -2523,7 +2538,7 @@
       </p:grpSpPr>
       <p:sp>
         <p:nvSpPr>
-          <p:cNvPr id="62" name="Google Shape;62;gf1db13dc29_0_3:notes"/>
+          <p:cNvPr id="197" name="Google Shape;197;gfbc222174a_0_0:notes"/>
           <p:cNvSpPr>
             <a:spLocks noGrp="1" noRot="1" noChangeAspect="1"/>
           </p:cNvSpPr>
@@ -2564,7 +2579,1567 @@
       </p:sp>
       <p:sp>
         <p:nvSpPr>
+          <p:cNvPr id="198" name="Google Shape;198;gfbc222174a_0_0:notes"/>
+          <p:cNvSpPr txBox="1">
+            <a:spLocks noGrp="1"/>
+          </p:cNvSpPr>
+          <p:nvPr>
+            <p:ph type="body" idx="1"/>
+          </p:nvPr>
+        </p:nvSpPr>
+        <p:spPr>
+          <a:xfrm>
+            <a:off x="685800" y="4343400"/>
+            <a:ext cx="5486400" cy="4114800"/>
+          </a:xfrm>
+          <a:prstGeom prst="rect">
+            <a:avLst/>
+          </a:prstGeom>
+        </p:spPr>
+        <p:txBody>
+          <a:bodyPr spcFirstLastPara="1" wrap="square" lIns="91425" tIns="91425" rIns="91425" bIns="91425" anchor="t" anchorCtr="0">
+            <a:noAutofit/>
+          </a:bodyPr>
+          <a:lstStyle/>
+          <a:p>
+            <a:pPr marL="0" lvl="0" indent="0" algn="l" rtl="0">
+              <a:spcBef>
+                <a:spcPts val="0"/>
+              </a:spcBef>
+              <a:spcAft>
+                <a:spcPts val="0"/>
+              </a:spcAft>
+              <a:buNone/>
+            </a:pPr>
+            <a:endParaRPr/>
+          </a:p>
+        </p:txBody>
+      </p:sp>
+    </p:spTree>
+  </p:cSld>
+  <p:clrMapOvr>
+    <a:masterClrMapping/>
+  </p:clrMapOvr>
+</p:notes>
+</file>
+
+<file path=ppt/notesSlides/notesSlide26.xml><?xml version="1.0" encoding="utf-8"?>
+<p:notes xmlns:a="http://schemas.openxmlformats.org/drawingml/2006/main" xmlns:r="http://schemas.openxmlformats.org/officeDocument/2006/relationships" xmlns:p="http://schemas.openxmlformats.org/presentationml/2006/main" showMasterSp="0" showMasterPhAnim="0">
+  <p:cSld>
+    <p:spTree>
+      <p:nvGrpSpPr>
+        <p:cNvPr id="1" name="Shape 201"/>
+        <p:cNvGrpSpPr/>
+        <p:nvPr/>
+      </p:nvGrpSpPr>
+      <p:grpSpPr>
+        <a:xfrm>
+          <a:off x="0" y="0"/>
+          <a:ext cx="0" cy="0"/>
+          <a:chOff x="0" y="0"/>
+          <a:chExt cx="0" cy="0"/>
+        </a:xfrm>
+      </p:grpSpPr>
+      <p:sp>
+        <p:nvSpPr>
+          <p:cNvPr id="202" name="Google Shape;202;g1020d693073_0_12:notes"/>
+          <p:cNvSpPr>
+            <a:spLocks noGrp="1" noRot="1" noChangeAspect="1"/>
+          </p:cNvSpPr>
+          <p:nvPr>
+            <p:ph type="sldImg" idx="2"/>
+          </p:nvPr>
+        </p:nvSpPr>
+        <p:spPr>
+          <a:xfrm>
+            <a:off x="381300" y="685800"/>
+            <a:ext cx="6096000" cy="3429000"/>
+          </a:xfrm>
+          <a:custGeom>
+            <a:avLst/>
+            <a:gdLst/>
+            <a:ahLst/>
+            <a:cxnLst/>
+            <a:rect l="l" t="t" r="r" b="b"/>
+            <a:pathLst>
+              <a:path w="120000" h="120000" extrusionOk="0">
+                <a:moveTo>
+                  <a:pt x="0" y="0"/>
+                </a:moveTo>
+                <a:lnTo>
+                  <a:pt x="120000" y="0"/>
+                </a:lnTo>
+                <a:lnTo>
+                  <a:pt x="120000" y="120000"/>
+                </a:lnTo>
+                <a:lnTo>
+                  <a:pt x="0" y="120000"/>
+                </a:lnTo>
+                <a:close/>
+              </a:path>
+            </a:pathLst>
+          </a:custGeom>
+        </p:spPr>
+      </p:sp>
+      <p:sp>
+        <p:nvSpPr>
+          <p:cNvPr id="203" name="Google Shape;203;g1020d693073_0_12:notes"/>
+          <p:cNvSpPr txBox="1">
+            <a:spLocks noGrp="1"/>
+          </p:cNvSpPr>
+          <p:nvPr>
+            <p:ph type="body" idx="1"/>
+          </p:nvPr>
+        </p:nvSpPr>
+        <p:spPr>
+          <a:xfrm>
+            <a:off x="685800" y="4343400"/>
+            <a:ext cx="5486400" cy="4114800"/>
+          </a:xfrm>
+          <a:prstGeom prst="rect">
+            <a:avLst/>
+          </a:prstGeom>
+        </p:spPr>
+        <p:txBody>
+          <a:bodyPr spcFirstLastPara="1" wrap="square" lIns="91425" tIns="91425" rIns="91425" bIns="91425" anchor="t" anchorCtr="0">
+            <a:noAutofit/>
+          </a:bodyPr>
+          <a:lstStyle/>
+          <a:p>
+            <a:pPr marL="0" lvl="0" indent="0" algn="l" rtl="0">
+              <a:spcBef>
+                <a:spcPts val="0"/>
+              </a:spcBef>
+              <a:spcAft>
+                <a:spcPts val="0"/>
+              </a:spcAft>
+              <a:buNone/>
+            </a:pPr>
+            <a:endParaRPr/>
+          </a:p>
+        </p:txBody>
+      </p:sp>
+    </p:spTree>
+  </p:cSld>
+  <p:clrMapOvr>
+    <a:masterClrMapping/>
+  </p:clrMapOvr>
+</p:notes>
+</file>
+
+<file path=ppt/notesSlides/notesSlide27.xml><?xml version="1.0" encoding="utf-8"?>
+<p:notes xmlns:a="http://schemas.openxmlformats.org/drawingml/2006/main" xmlns:r="http://schemas.openxmlformats.org/officeDocument/2006/relationships" xmlns:p="http://schemas.openxmlformats.org/presentationml/2006/main" showMasterSp="0" showMasterPhAnim="0">
+  <p:cSld>
+    <p:spTree>
+      <p:nvGrpSpPr>
+        <p:cNvPr id="1" name="Shape 207"/>
+        <p:cNvGrpSpPr/>
+        <p:nvPr/>
+      </p:nvGrpSpPr>
+      <p:grpSpPr>
+        <a:xfrm>
+          <a:off x="0" y="0"/>
+          <a:ext cx="0" cy="0"/>
+          <a:chOff x="0" y="0"/>
+          <a:chExt cx="0" cy="0"/>
+        </a:xfrm>
+      </p:grpSpPr>
+      <p:sp>
+        <p:nvSpPr>
+          <p:cNvPr id="208" name="Google Shape;208;gfc888862f5_0_0:notes"/>
+          <p:cNvSpPr>
+            <a:spLocks noGrp="1" noRot="1" noChangeAspect="1"/>
+          </p:cNvSpPr>
+          <p:nvPr>
+            <p:ph type="sldImg" idx="2"/>
+          </p:nvPr>
+        </p:nvSpPr>
+        <p:spPr>
+          <a:xfrm>
+            <a:off x="381300" y="685800"/>
+            <a:ext cx="6096000" cy="3429000"/>
+          </a:xfrm>
+          <a:custGeom>
+            <a:avLst/>
+            <a:gdLst/>
+            <a:ahLst/>
+            <a:cxnLst/>
+            <a:rect l="l" t="t" r="r" b="b"/>
+            <a:pathLst>
+              <a:path w="120000" h="120000" extrusionOk="0">
+                <a:moveTo>
+                  <a:pt x="0" y="0"/>
+                </a:moveTo>
+                <a:lnTo>
+                  <a:pt x="120000" y="0"/>
+                </a:lnTo>
+                <a:lnTo>
+                  <a:pt x="120000" y="120000"/>
+                </a:lnTo>
+                <a:lnTo>
+                  <a:pt x="0" y="120000"/>
+                </a:lnTo>
+                <a:close/>
+              </a:path>
+            </a:pathLst>
+          </a:custGeom>
+        </p:spPr>
+      </p:sp>
+      <p:sp>
+        <p:nvSpPr>
+          <p:cNvPr id="209" name="Google Shape;209;gfc888862f5_0_0:notes"/>
+          <p:cNvSpPr txBox="1">
+            <a:spLocks noGrp="1"/>
+          </p:cNvSpPr>
+          <p:nvPr>
+            <p:ph type="body" idx="1"/>
+          </p:nvPr>
+        </p:nvSpPr>
+        <p:spPr>
+          <a:xfrm>
+            <a:off x="685800" y="4343400"/>
+            <a:ext cx="5486400" cy="4114800"/>
+          </a:xfrm>
+          <a:prstGeom prst="rect">
+            <a:avLst/>
+          </a:prstGeom>
+        </p:spPr>
+        <p:txBody>
+          <a:bodyPr spcFirstLastPara="1" wrap="square" lIns="91425" tIns="91425" rIns="91425" bIns="91425" anchor="t" anchorCtr="0">
+            <a:noAutofit/>
+          </a:bodyPr>
+          <a:lstStyle/>
+          <a:p>
+            <a:pPr marL="0" lvl="0" indent="0" algn="l" rtl="0">
+              <a:spcBef>
+                <a:spcPts val="0"/>
+              </a:spcBef>
+              <a:spcAft>
+                <a:spcPts val="0"/>
+              </a:spcAft>
+              <a:buNone/>
+            </a:pPr>
+            <a:endParaRPr/>
+          </a:p>
+        </p:txBody>
+      </p:sp>
+    </p:spTree>
+  </p:cSld>
+  <p:clrMapOvr>
+    <a:masterClrMapping/>
+  </p:clrMapOvr>
+</p:notes>
+</file>
+
+<file path=ppt/notesSlides/notesSlide28.xml><?xml version="1.0" encoding="utf-8"?>
+<p:notes xmlns:a="http://schemas.openxmlformats.org/drawingml/2006/main" xmlns:r="http://schemas.openxmlformats.org/officeDocument/2006/relationships" xmlns:p="http://schemas.openxmlformats.org/presentationml/2006/main" showMasterSp="0" showMasterPhAnim="0">
+  <p:cSld>
+    <p:spTree>
+      <p:nvGrpSpPr>
+        <p:cNvPr id="1" name="Shape 213"/>
+        <p:cNvGrpSpPr/>
+        <p:nvPr/>
+      </p:nvGrpSpPr>
+      <p:grpSpPr>
+        <a:xfrm>
+          <a:off x="0" y="0"/>
+          <a:ext cx="0" cy="0"/>
+          <a:chOff x="0" y="0"/>
+          <a:chExt cx="0" cy="0"/>
+        </a:xfrm>
+      </p:grpSpPr>
+      <p:sp>
+        <p:nvSpPr>
+          <p:cNvPr id="214" name="Google Shape;214;gfc888862f5_0_5:notes"/>
+          <p:cNvSpPr>
+            <a:spLocks noGrp="1" noRot="1" noChangeAspect="1"/>
+          </p:cNvSpPr>
+          <p:nvPr>
+            <p:ph type="sldImg" idx="2"/>
+          </p:nvPr>
+        </p:nvSpPr>
+        <p:spPr>
+          <a:xfrm>
+            <a:off x="381300" y="685800"/>
+            <a:ext cx="6096000" cy="3429000"/>
+          </a:xfrm>
+          <a:custGeom>
+            <a:avLst/>
+            <a:gdLst/>
+            <a:ahLst/>
+            <a:cxnLst/>
+            <a:rect l="l" t="t" r="r" b="b"/>
+            <a:pathLst>
+              <a:path w="120000" h="120000" extrusionOk="0">
+                <a:moveTo>
+                  <a:pt x="0" y="0"/>
+                </a:moveTo>
+                <a:lnTo>
+                  <a:pt x="120000" y="0"/>
+                </a:lnTo>
+                <a:lnTo>
+                  <a:pt x="120000" y="120000"/>
+                </a:lnTo>
+                <a:lnTo>
+                  <a:pt x="0" y="120000"/>
+                </a:lnTo>
+                <a:close/>
+              </a:path>
+            </a:pathLst>
+          </a:custGeom>
+        </p:spPr>
+      </p:sp>
+      <p:sp>
+        <p:nvSpPr>
+          <p:cNvPr id="215" name="Google Shape;215;gfc888862f5_0_5:notes"/>
+          <p:cNvSpPr txBox="1">
+            <a:spLocks noGrp="1"/>
+          </p:cNvSpPr>
+          <p:nvPr>
+            <p:ph type="body" idx="1"/>
+          </p:nvPr>
+        </p:nvSpPr>
+        <p:spPr>
+          <a:xfrm>
+            <a:off x="685800" y="4343400"/>
+            <a:ext cx="5486400" cy="4114800"/>
+          </a:xfrm>
+          <a:prstGeom prst="rect">
+            <a:avLst/>
+          </a:prstGeom>
+        </p:spPr>
+        <p:txBody>
+          <a:bodyPr spcFirstLastPara="1" wrap="square" lIns="91425" tIns="91425" rIns="91425" bIns="91425" anchor="t" anchorCtr="0">
+            <a:noAutofit/>
+          </a:bodyPr>
+          <a:lstStyle/>
+          <a:p>
+            <a:pPr marL="0" lvl="0" indent="0" algn="l" rtl="0">
+              <a:spcBef>
+                <a:spcPts val="0"/>
+              </a:spcBef>
+              <a:spcAft>
+                <a:spcPts val="0"/>
+              </a:spcAft>
+              <a:buNone/>
+            </a:pPr>
+            <a:endParaRPr/>
+          </a:p>
+        </p:txBody>
+      </p:sp>
+    </p:spTree>
+  </p:cSld>
+  <p:clrMapOvr>
+    <a:masterClrMapping/>
+  </p:clrMapOvr>
+</p:notes>
+</file>
+
+<file path=ppt/notesSlides/notesSlide29.xml><?xml version="1.0" encoding="utf-8"?>
+<p:notes xmlns:a="http://schemas.openxmlformats.org/drawingml/2006/main" xmlns:r="http://schemas.openxmlformats.org/officeDocument/2006/relationships" xmlns:p="http://schemas.openxmlformats.org/presentationml/2006/main" showMasterSp="0" showMasterPhAnim="0">
+  <p:cSld>
+    <p:spTree>
+      <p:nvGrpSpPr>
+        <p:cNvPr id="1" name="Shape 223"/>
+        <p:cNvGrpSpPr/>
+        <p:nvPr/>
+      </p:nvGrpSpPr>
+      <p:grpSpPr>
+        <a:xfrm>
+          <a:off x="0" y="0"/>
+          <a:ext cx="0" cy="0"/>
+          <a:chOff x="0" y="0"/>
+          <a:chExt cx="0" cy="0"/>
+        </a:xfrm>
+      </p:grpSpPr>
+      <p:sp>
+        <p:nvSpPr>
+          <p:cNvPr id="224" name="Google Shape;224;gfc888862f5_0_12:notes"/>
+          <p:cNvSpPr>
+            <a:spLocks noGrp="1" noRot="1" noChangeAspect="1"/>
+          </p:cNvSpPr>
+          <p:nvPr>
+            <p:ph type="sldImg" idx="2"/>
+          </p:nvPr>
+        </p:nvSpPr>
+        <p:spPr>
+          <a:xfrm>
+            <a:off x="381300" y="685800"/>
+            <a:ext cx="6096000" cy="3429000"/>
+          </a:xfrm>
+          <a:custGeom>
+            <a:avLst/>
+            <a:gdLst/>
+            <a:ahLst/>
+            <a:cxnLst/>
+            <a:rect l="l" t="t" r="r" b="b"/>
+            <a:pathLst>
+              <a:path w="120000" h="120000" extrusionOk="0">
+                <a:moveTo>
+                  <a:pt x="0" y="0"/>
+                </a:moveTo>
+                <a:lnTo>
+                  <a:pt x="120000" y="0"/>
+                </a:lnTo>
+                <a:lnTo>
+                  <a:pt x="120000" y="120000"/>
+                </a:lnTo>
+                <a:lnTo>
+                  <a:pt x="0" y="120000"/>
+                </a:lnTo>
+                <a:close/>
+              </a:path>
+            </a:pathLst>
+          </a:custGeom>
+        </p:spPr>
+      </p:sp>
+      <p:sp>
+        <p:nvSpPr>
+          <p:cNvPr id="225" name="Google Shape;225;gfc888862f5_0_12:notes"/>
+          <p:cNvSpPr txBox="1">
+            <a:spLocks noGrp="1"/>
+          </p:cNvSpPr>
+          <p:nvPr>
+            <p:ph type="body" idx="1"/>
+          </p:nvPr>
+        </p:nvSpPr>
+        <p:spPr>
+          <a:xfrm>
+            <a:off x="685800" y="4343400"/>
+            <a:ext cx="5486400" cy="4114800"/>
+          </a:xfrm>
+          <a:prstGeom prst="rect">
+            <a:avLst/>
+          </a:prstGeom>
+        </p:spPr>
+        <p:txBody>
+          <a:bodyPr spcFirstLastPara="1" wrap="square" lIns="91425" tIns="91425" rIns="91425" bIns="91425" anchor="t" anchorCtr="0">
+            <a:noAutofit/>
+          </a:bodyPr>
+          <a:lstStyle/>
+          <a:p>
+            <a:pPr marL="0" lvl="0" indent="0" algn="l" rtl="0">
+              <a:spcBef>
+                <a:spcPts val="0"/>
+              </a:spcBef>
+              <a:spcAft>
+                <a:spcPts val="0"/>
+              </a:spcAft>
+              <a:buNone/>
+            </a:pPr>
+            <a:endParaRPr/>
+          </a:p>
+        </p:txBody>
+      </p:sp>
+    </p:spTree>
+  </p:cSld>
+  <p:clrMapOvr>
+    <a:masterClrMapping/>
+  </p:clrMapOvr>
+</p:notes>
+</file>
+
+<file path=ppt/notesSlides/notesSlide3.xml><?xml version="1.0" encoding="utf-8"?>
+<p:notes xmlns:a="http://schemas.openxmlformats.org/drawingml/2006/main" xmlns:r="http://schemas.openxmlformats.org/officeDocument/2006/relationships" xmlns:p="http://schemas.openxmlformats.org/presentationml/2006/main" showMasterSp="0" showMasterPhAnim="0">
+  <p:cSld>
+    <p:spTree>
+      <p:nvGrpSpPr>
+        <p:cNvPr id="1" name="Shape 61"/>
+        <p:cNvGrpSpPr/>
+        <p:nvPr/>
+      </p:nvGrpSpPr>
+      <p:grpSpPr>
+        <a:xfrm>
+          <a:off x="0" y="0"/>
+          <a:ext cx="0" cy="0"/>
+          <a:chOff x="0" y="0"/>
+          <a:chExt cx="0" cy="0"/>
+        </a:xfrm>
+      </p:grpSpPr>
+      <p:sp>
+        <p:nvSpPr>
+          <p:cNvPr id="62" name="Google Shape;62;gf1db13dc29_0_3:notes"/>
+          <p:cNvSpPr>
+            <a:spLocks noGrp="1" noRot="1" noChangeAspect="1"/>
+          </p:cNvSpPr>
+          <p:nvPr>
+            <p:ph type="sldImg" idx="2"/>
+          </p:nvPr>
+        </p:nvSpPr>
+        <p:spPr>
+          <a:xfrm>
+            <a:off x="381300" y="685800"/>
+            <a:ext cx="6096000" cy="3429000"/>
+          </a:xfrm>
+          <a:custGeom>
+            <a:avLst/>
+            <a:gdLst/>
+            <a:ahLst/>
+            <a:cxnLst/>
+            <a:rect l="l" t="t" r="r" b="b"/>
+            <a:pathLst>
+              <a:path w="120000" h="120000" extrusionOk="0">
+                <a:moveTo>
+                  <a:pt x="0" y="0"/>
+                </a:moveTo>
+                <a:lnTo>
+                  <a:pt x="120000" y="0"/>
+                </a:lnTo>
+                <a:lnTo>
+                  <a:pt x="120000" y="120000"/>
+                </a:lnTo>
+                <a:lnTo>
+                  <a:pt x="0" y="120000"/>
+                </a:lnTo>
+                <a:close/>
+              </a:path>
+            </a:pathLst>
+          </a:custGeom>
+        </p:spPr>
+      </p:sp>
+      <p:sp>
+        <p:nvSpPr>
           <p:cNvPr id="63" name="Google Shape;63;gf1db13dc29_0_3:notes"/>
+          <p:cNvSpPr txBox="1">
+            <a:spLocks noGrp="1"/>
+          </p:cNvSpPr>
+          <p:nvPr>
+            <p:ph type="body" idx="1"/>
+          </p:nvPr>
+        </p:nvSpPr>
+        <p:spPr>
+          <a:xfrm>
+            <a:off x="685800" y="4343400"/>
+            <a:ext cx="5486400" cy="4114800"/>
+          </a:xfrm>
+          <a:prstGeom prst="rect">
+            <a:avLst/>
+          </a:prstGeom>
+        </p:spPr>
+        <p:txBody>
+          <a:bodyPr spcFirstLastPara="1" wrap="square" lIns="91425" tIns="91425" rIns="91425" bIns="91425" anchor="t" anchorCtr="0">
+            <a:noAutofit/>
+          </a:bodyPr>
+          <a:lstStyle/>
+          <a:p>
+            <a:pPr marL="0" lvl="0" indent="0" algn="l" rtl="0">
+              <a:spcBef>
+                <a:spcPts val="0"/>
+              </a:spcBef>
+              <a:spcAft>
+                <a:spcPts val="0"/>
+              </a:spcAft>
+              <a:buNone/>
+            </a:pPr>
+            <a:endParaRPr/>
+          </a:p>
+        </p:txBody>
+      </p:sp>
+    </p:spTree>
+  </p:cSld>
+  <p:clrMapOvr>
+    <a:masterClrMapping/>
+  </p:clrMapOvr>
+</p:notes>
+</file>
+
+<file path=ppt/notesSlides/notesSlide30.xml><?xml version="1.0" encoding="utf-8"?>
+<p:notes xmlns:a="http://schemas.openxmlformats.org/drawingml/2006/main" xmlns:r="http://schemas.openxmlformats.org/officeDocument/2006/relationships" xmlns:p="http://schemas.openxmlformats.org/presentationml/2006/main" showMasterSp="0" showMasterPhAnim="0">
+  <p:cSld>
+    <p:spTree>
+      <p:nvGrpSpPr>
+        <p:cNvPr id="1" name="Shape 230"/>
+        <p:cNvGrpSpPr/>
+        <p:nvPr/>
+      </p:nvGrpSpPr>
+      <p:grpSpPr>
+        <a:xfrm>
+          <a:off x="0" y="0"/>
+          <a:ext cx="0" cy="0"/>
+          <a:chOff x="0" y="0"/>
+          <a:chExt cx="0" cy="0"/>
+        </a:xfrm>
+      </p:grpSpPr>
+      <p:sp>
+        <p:nvSpPr>
+          <p:cNvPr id="231" name="Google Shape;231;gfc888862f5_0_20:notes"/>
+          <p:cNvSpPr>
+            <a:spLocks noGrp="1" noRot="1" noChangeAspect="1"/>
+          </p:cNvSpPr>
+          <p:nvPr>
+            <p:ph type="sldImg" idx="2"/>
+          </p:nvPr>
+        </p:nvSpPr>
+        <p:spPr>
+          <a:xfrm>
+            <a:off x="381300" y="685800"/>
+            <a:ext cx="6096000" cy="3429000"/>
+          </a:xfrm>
+          <a:custGeom>
+            <a:avLst/>
+            <a:gdLst/>
+            <a:ahLst/>
+            <a:cxnLst/>
+            <a:rect l="l" t="t" r="r" b="b"/>
+            <a:pathLst>
+              <a:path w="120000" h="120000" extrusionOk="0">
+                <a:moveTo>
+                  <a:pt x="0" y="0"/>
+                </a:moveTo>
+                <a:lnTo>
+                  <a:pt x="120000" y="0"/>
+                </a:lnTo>
+                <a:lnTo>
+                  <a:pt x="120000" y="120000"/>
+                </a:lnTo>
+                <a:lnTo>
+                  <a:pt x="0" y="120000"/>
+                </a:lnTo>
+                <a:close/>
+              </a:path>
+            </a:pathLst>
+          </a:custGeom>
+        </p:spPr>
+      </p:sp>
+      <p:sp>
+        <p:nvSpPr>
+          <p:cNvPr id="232" name="Google Shape;232;gfc888862f5_0_20:notes"/>
+          <p:cNvSpPr txBox="1">
+            <a:spLocks noGrp="1"/>
+          </p:cNvSpPr>
+          <p:nvPr>
+            <p:ph type="body" idx="1"/>
+          </p:nvPr>
+        </p:nvSpPr>
+        <p:spPr>
+          <a:xfrm>
+            <a:off x="685800" y="4343400"/>
+            <a:ext cx="5486400" cy="4114800"/>
+          </a:xfrm>
+          <a:prstGeom prst="rect">
+            <a:avLst/>
+          </a:prstGeom>
+        </p:spPr>
+        <p:txBody>
+          <a:bodyPr spcFirstLastPara="1" wrap="square" lIns="91425" tIns="91425" rIns="91425" bIns="91425" anchor="t" anchorCtr="0">
+            <a:noAutofit/>
+          </a:bodyPr>
+          <a:lstStyle/>
+          <a:p>
+            <a:pPr marL="0" lvl="0" indent="0" algn="l" rtl="0">
+              <a:spcBef>
+                <a:spcPts val="0"/>
+              </a:spcBef>
+              <a:spcAft>
+                <a:spcPts val="0"/>
+              </a:spcAft>
+              <a:buNone/>
+            </a:pPr>
+            <a:endParaRPr/>
+          </a:p>
+        </p:txBody>
+      </p:sp>
+    </p:spTree>
+  </p:cSld>
+  <p:clrMapOvr>
+    <a:masterClrMapping/>
+  </p:clrMapOvr>
+</p:notes>
+</file>
+
+<file path=ppt/notesSlides/notesSlide31.xml><?xml version="1.0" encoding="utf-8"?>
+<p:notes xmlns:a="http://schemas.openxmlformats.org/drawingml/2006/main" xmlns:r="http://schemas.openxmlformats.org/officeDocument/2006/relationships" xmlns:p="http://schemas.openxmlformats.org/presentationml/2006/main" showMasterSp="0" showMasterPhAnim="0">
+  <p:cSld>
+    <p:spTree>
+      <p:nvGrpSpPr>
+        <p:cNvPr id="1" name="Shape 236"/>
+        <p:cNvGrpSpPr/>
+        <p:nvPr/>
+      </p:nvGrpSpPr>
+      <p:grpSpPr>
+        <a:xfrm>
+          <a:off x="0" y="0"/>
+          <a:ext cx="0" cy="0"/>
+          <a:chOff x="0" y="0"/>
+          <a:chExt cx="0" cy="0"/>
+        </a:xfrm>
+      </p:grpSpPr>
+      <p:sp>
+        <p:nvSpPr>
+          <p:cNvPr id="237" name="Google Shape;237;gfc888862f5_0_29:notes"/>
+          <p:cNvSpPr>
+            <a:spLocks noGrp="1" noRot="1" noChangeAspect="1"/>
+          </p:cNvSpPr>
+          <p:nvPr>
+            <p:ph type="sldImg" idx="2"/>
+          </p:nvPr>
+        </p:nvSpPr>
+        <p:spPr>
+          <a:xfrm>
+            <a:off x="381300" y="685800"/>
+            <a:ext cx="6096000" cy="3429000"/>
+          </a:xfrm>
+          <a:custGeom>
+            <a:avLst/>
+            <a:gdLst/>
+            <a:ahLst/>
+            <a:cxnLst/>
+            <a:rect l="l" t="t" r="r" b="b"/>
+            <a:pathLst>
+              <a:path w="120000" h="120000" extrusionOk="0">
+                <a:moveTo>
+                  <a:pt x="0" y="0"/>
+                </a:moveTo>
+                <a:lnTo>
+                  <a:pt x="120000" y="0"/>
+                </a:lnTo>
+                <a:lnTo>
+                  <a:pt x="120000" y="120000"/>
+                </a:lnTo>
+                <a:lnTo>
+                  <a:pt x="0" y="120000"/>
+                </a:lnTo>
+                <a:close/>
+              </a:path>
+            </a:pathLst>
+          </a:custGeom>
+        </p:spPr>
+      </p:sp>
+      <p:sp>
+        <p:nvSpPr>
+          <p:cNvPr id="238" name="Google Shape;238;gfc888862f5_0_29:notes"/>
+          <p:cNvSpPr txBox="1">
+            <a:spLocks noGrp="1"/>
+          </p:cNvSpPr>
+          <p:nvPr>
+            <p:ph type="body" idx="1"/>
+          </p:nvPr>
+        </p:nvSpPr>
+        <p:spPr>
+          <a:xfrm>
+            <a:off x="685800" y="4343400"/>
+            <a:ext cx="5486400" cy="4114800"/>
+          </a:xfrm>
+          <a:prstGeom prst="rect">
+            <a:avLst/>
+          </a:prstGeom>
+        </p:spPr>
+        <p:txBody>
+          <a:bodyPr spcFirstLastPara="1" wrap="square" lIns="91425" tIns="91425" rIns="91425" bIns="91425" anchor="t" anchorCtr="0">
+            <a:noAutofit/>
+          </a:bodyPr>
+          <a:lstStyle/>
+          <a:p>
+            <a:pPr marL="0" lvl="0" indent="0" algn="l" rtl="0">
+              <a:spcBef>
+                <a:spcPts val="0"/>
+              </a:spcBef>
+              <a:spcAft>
+                <a:spcPts val="0"/>
+              </a:spcAft>
+              <a:buNone/>
+            </a:pPr>
+            <a:endParaRPr/>
+          </a:p>
+        </p:txBody>
+      </p:sp>
+    </p:spTree>
+  </p:cSld>
+  <p:clrMapOvr>
+    <a:masterClrMapping/>
+  </p:clrMapOvr>
+</p:notes>
+</file>
+
+<file path=ppt/notesSlides/notesSlide32.xml><?xml version="1.0" encoding="utf-8"?>
+<p:notes xmlns:a="http://schemas.openxmlformats.org/drawingml/2006/main" xmlns:r="http://schemas.openxmlformats.org/officeDocument/2006/relationships" xmlns:p="http://schemas.openxmlformats.org/presentationml/2006/main" showMasterSp="0" showMasterPhAnim="0">
+  <p:cSld>
+    <p:spTree>
+      <p:nvGrpSpPr>
+        <p:cNvPr id="1" name="Shape 242"/>
+        <p:cNvGrpSpPr/>
+        <p:nvPr/>
+      </p:nvGrpSpPr>
+      <p:grpSpPr>
+        <a:xfrm>
+          <a:off x="0" y="0"/>
+          <a:ext cx="0" cy="0"/>
+          <a:chOff x="0" y="0"/>
+          <a:chExt cx="0" cy="0"/>
+        </a:xfrm>
+      </p:grpSpPr>
+      <p:sp>
+        <p:nvSpPr>
+          <p:cNvPr id="243" name="Google Shape;243;gfc888862f5_0_48:notes"/>
+          <p:cNvSpPr>
+            <a:spLocks noGrp="1" noRot="1" noChangeAspect="1"/>
+          </p:cNvSpPr>
+          <p:nvPr>
+            <p:ph type="sldImg" idx="2"/>
+          </p:nvPr>
+        </p:nvSpPr>
+        <p:spPr>
+          <a:xfrm>
+            <a:off x="381300" y="685800"/>
+            <a:ext cx="6096000" cy="3429000"/>
+          </a:xfrm>
+          <a:custGeom>
+            <a:avLst/>
+            <a:gdLst/>
+            <a:ahLst/>
+            <a:cxnLst/>
+            <a:rect l="l" t="t" r="r" b="b"/>
+            <a:pathLst>
+              <a:path w="120000" h="120000" extrusionOk="0">
+                <a:moveTo>
+                  <a:pt x="0" y="0"/>
+                </a:moveTo>
+                <a:lnTo>
+                  <a:pt x="120000" y="0"/>
+                </a:lnTo>
+                <a:lnTo>
+                  <a:pt x="120000" y="120000"/>
+                </a:lnTo>
+                <a:lnTo>
+                  <a:pt x="0" y="120000"/>
+                </a:lnTo>
+                <a:close/>
+              </a:path>
+            </a:pathLst>
+          </a:custGeom>
+        </p:spPr>
+      </p:sp>
+      <p:sp>
+        <p:nvSpPr>
+          <p:cNvPr id="244" name="Google Shape;244;gfc888862f5_0_48:notes"/>
+          <p:cNvSpPr txBox="1">
+            <a:spLocks noGrp="1"/>
+          </p:cNvSpPr>
+          <p:nvPr>
+            <p:ph type="body" idx="1"/>
+          </p:nvPr>
+        </p:nvSpPr>
+        <p:spPr>
+          <a:xfrm>
+            <a:off x="685800" y="4343400"/>
+            <a:ext cx="5486400" cy="4114800"/>
+          </a:xfrm>
+          <a:prstGeom prst="rect">
+            <a:avLst/>
+          </a:prstGeom>
+        </p:spPr>
+        <p:txBody>
+          <a:bodyPr spcFirstLastPara="1" wrap="square" lIns="91425" tIns="91425" rIns="91425" bIns="91425" anchor="t" anchorCtr="0">
+            <a:noAutofit/>
+          </a:bodyPr>
+          <a:lstStyle/>
+          <a:p>
+            <a:pPr marL="0" lvl="0" indent="0" algn="l" rtl="0">
+              <a:spcBef>
+                <a:spcPts val="0"/>
+              </a:spcBef>
+              <a:spcAft>
+                <a:spcPts val="0"/>
+              </a:spcAft>
+              <a:buNone/>
+            </a:pPr>
+            <a:endParaRPr/>
+          </a:p>
+        </p:txBody>
+      </p:sp>
+    </p:spTree>
+  </p:cSld>
+  <p:clrMapOvr>
+    <a:masterClrMapping/>
+  </p:clrMapOvr>
+</p:notes>
+</file>
+
+<file path=ppt/notesSlides/notesSlide33.xml><?xml version="1.0" encoding="utf-8"?>
+<p:notes xmlns:a="http://schemas.openxmlformats.org/drawingml/2006/main" xmlns:r="http://schemas.openxmlformats.org/officeDocument/2006/relationships" xmlns:p="http://schemas.openxmlformats.org/presentationml/2006/main" showMasterSp="0" showMasterPhAnim="0">
+  <p:cSld>
+    <p:spTree>
+      <p:nvGrpSpPr>
+        <p:cNvPr id="1" name="Shape 251"/>
+        <p:cNvGrpSpPr/>
+        <p:nvPr/>
+      </p:nvGrpSpPr>
+      <p:grpSpPr>
+        <a:xfrm>
+          <a:off x="0" y="0"/>
+          <a:ext cx="0" cy="0"/>
+          <a:chOff x="0" y="0"/>
+          <a:chExt cx="0" cy="0"/>
+        </a:xfrm>
+      </p:grpSpPr>
+      <p:sp>
+        <p:nvSpPr>
+          <p:cNvPr id="252" name="Google Shape;252;g297a3b10a04_1_0:notes"/>
+          <p:cNvSpPr>
+            <a:spLocks noGrp="1" noRot="1" noChangeAspect="1"/>
+          </p:cNvSpPr>
+          <p:nvPr>
+            <p:ph type="sldImg" idx="2"/>
+          </p:nvPr>
+        </p:nvSpPr>
+        <p:spPr>
+          <a:xfrm>
+            <a:off x="381300" y="685800"/>
+            <a:ext cx="6096000" cy="3429000"/>
+          </a:xfrm>
+          <a:custGeom>
+            <a:avLst/>
+            <a:gdLst/>
+            <a:ahLst/>
+            <a:cxnLst/>
+            <a:rect l="l" t="t" r="r" b="b"/>
+            <a:pathLst>
+              <a:path w="120000" h="120000" extrusionOk="0">
+                <a:moveTo>
+                  <a:pt x="0" y="0"/>
+                </a:moveTo>
+                <a:lnTo>
+                  <a:pt x="120000" y="0"/>
+                </a:lnTo>
+                <a:lnTo>
+                  <a:pt x="120000" y="120000"/>
+                </a:lnTo>
+                <a:lnTo>
+                  <a:pt x="0" y="120000"/>
+                </a:lnTo>
+                <a:close/>
+              </a:path>
+            </a:pathLst>
+          </a:custGeom>
+        </p:spPr>
+      </p:sp>
+      <p:sp>
+        <p:nvSpPr>
+          <p:cNvPr id="253" name="Google Shape;253;g297a3b10a04_1_0:notes"/>
+          <p:cNvSpPr txBox="1">
+            <a:spLocks noGrp="1"/>
+          </p:cNvSpPr>
+          <p:nvPr>
+            <p:ph type="body" idx="1"/>
+          </p:nvPr>
+        </p:nvSpPr>
+        <p:spPr>
+          <a:xfrm>
+            <a:off x="685800" y="4343400"/>
+            <a:ext cx="5486400" cy="4114800"/>
+          </a:xfrm>
+          <a:prstGeom prst="rect">
+            <a:avLst/>
+          </a:prstGeom>
+        </p:spPr>
+        <p:txBody>
+          <a:bodyPr spcFirstLastPara="1" wrap="square" lIns="91425" tIns="91425" rIns="91425" bIns="91425" anchor="t" anchorCtr="0">
+            <a:noAutofit/>
+          </a:bodyPr>
+          <a:lstStyle/>
+          <a:p>
+            <a:pPr marL="0" lvl="0" indent="0" algn="l" rtl="0">
+              <a:spcBef>
+                <a:spcPts val="0"/>
+              </a:spcBef>
+              <a:spcAft>
+                <a:spcPts val="0"/>
+              </a:spcAft>
+              <a:buNone/>
+            </a:pPr>
+            <a:endParaRPr/>
+          </a:p>
+        </p:txBody>
+      </p:sp>
+    </p:spTree>
+  </p:cSld>
+  <p:clrMapOvr>
+    <a:masterClrMapping/>
+  </p:clrMapOvr>
+</p:notes>
+</file>
+
+<file path=ppt/notesSlides/notesSlide34.xml><?xml version="1.0" encoding="utf-8"?>
+<p:notes xmlns:a="http://schemas.openxmlformats.org/drawingml/2006/main" xmlns:r="http://schemas.openxmlformats.org/officeDocument/2006/relationships" xmlns:p="http://schemas.openxmlformats.org/presentationml/2006/main" showMasterSp="0" showMasterPhAnim="0">
+  <p:cSld>
+    <p:spTree>
+      <p:nvGrpSpPr>
+        <p:cNvPr id="1" name="Shape 259"/>
+        <p:cNvGrpSpPr/>
+        <p:nvPr/>
+      </p:nvGrpSpPr>
+      <p:grpSpPr>
+        <a:xfrm>
+          <a:off x="0" y="0"/>
+          <a:ext cx="0" cy="0"/>
+          <a:chOff x="0" y="0"/>
+          <a:chExt cx="0" cy="0"/>
+        </a:xfrm>
+      </p:grpSpPr>
+      <p:sp>
+        <p:nvSpPr>
+          <p:cNvPr id="260" name="Google Shape;260;g296f16b739d_0_0:notes"/>
+          <p:cNvSpPr>
+            <a:spLocks noGrp="1" noRot="1" noChangeAspect="1"/>
+          </p:cNvSpPr>
+          <p:nvPr>
+            <p:ph type="sldImg" idx="2"/>
+          </p:nvPr>
+        </p:nvSpPr>
+        <p:spPr>
+          <a:xfrm>
+            <a:off x="381300" y="685800"/>
+            <a:ext cx="6096000" cy="3429000"/>
+          </a:xfrm>
+          <a:custGeom>
+            <a:avLst/>
+            <a:gdLst/>
+            <a:ahLst/>
+            <a:cxnLst/>
+            <a:rect l="l" t="t" r="r" b="b"/>
+            <a:pathLst>
+              <a:path w="120000" h="120000" extrusionOk="0">
+                <a:moveTo>
+                  <a:pt x="0" y="0"/>
+                </a:moveTo>
+                <a:lnTo>
+                  <a:pt x="120000" y="0"/>
+                </a:lnTo>
+                <a:lnTo>
+                  <a:pt x="120000" y="120000"/>
+                </a:lnTo>
+                <a:lnTo>
+                  <a:pt x="0" y="120000"/>
+                </a:lnTo>
+                <a:close/>
+              </a:path>
+            </a:pathLst>
+          </a:custGeom>
+        </p:spPr>
+      </p:sp>
+      <p:sp>
+        <p:nvSpPr>
+          <p:cNvPr id="261" name="Google Shape;261;g296f16b739d_0_0:notes"/>
+          <p:cNvSpPr txBox="1">
+            <a:spLocks noGrp="1"/>
+          </p:cNvSpPr>
+          <p:nvPr>
+            <p:ph type="body" idx="1"/>
+          </p:nvPr>
+        </p:nvSpPr>
+        <p:spPr>
+          <a:xfrm>
+            <a:off x="685800" y="4343400"/>
+            <a:ext cx="5486400" cy="4114800"/>
+          </a:xfrm>
+          <a:prstGeom prst="rect">
+            <a:avLst/>
+          </a:prstGeom>
+        </p:spPr>
+        <p:txBody>
+          <a:bodyPr spcFirstLastPara="1" wrap="square" lIns="91425" tIns="91425" rIns="91425" bIns="91425" anchor="t" anchorCtr="0">
+            <a:noAutofit/>
+          </a:bodyPr>
+          <a:lstStyle/>
+          <a:p>
+            <a:pPr marL="0" lvl="0" indent="0" algn="l" rtl="0">
+              <a:spcBef>
+                <a:spcPts val="0"/>
+              </a:spcBef>
+              <a:spcAft>
+                <a:spcPts val="0"/>
+              </a:spcAft>
+              <a:buNone/>
+            </a:pPr>
+            <a:endParaRPr/>
+          </a:p>
+        </p:txBody>
+      </p:sp>
+    </p:spTree>
+  </p:cSld>
+  <p:clrMapOvr>
+    <a:masterClrMapping/>
+  </p:clrMapOvr>
+</p:notes>
+</file>
+
+<file path=ppt/notesSlides/notesSlide35.xml><?xml version="1.0" encoding="utf-8"?>
+<p:notes xmlns:a="http://schemas.openxmlformats.org/drawingml/2006/main" xmlns:r="http://schemas.openxmlformats.org/officeDocument/2006/relationships" xmlns:p="http://schemas.openxmlformats.org/presentationml/2006/main" showMasterSp="0" showMasterPhAnim="0">
+  <p:cSld>
+    <p:spTree>
+      <p:nvGrpSpPr>
+        <p:cNvPr id="1" name="Shape 267"/>
+        <p:cNvGrpSpPr/>
+        <p:nvPr/>
+      </p:nvGrpSpPr>
+      <p:grpSpPr>
+        <a:xfrm>
+          <a:off x="0" y="0"/>
+          <a:ext cx="0" cy="0"/>
+          <a:chOff x="0" y="0"/>
+          <a:chExt cx="0" cy="0"/>
+        </a:xfrm>
+      </p:grpSpPr>
+      <p:sp>
+        <p:nvSpPr>
+          <p:cNvPr id="268" name="Google Shape;268;g296f16b739d_0_6:notes"/>
+          <p:cNvSpPr>
+            <a:spLocks noGrp="1" noRot="1" noChangeAspect="1"/>
+          </p:cNvSpPr>
+          <p:nvPr>
+            <p:ph type="sldImg" idx="2"/>
+          </p:nvPr>
+        </p:nvSpPr>
+        <p:spPr>
+          <a:xfrm>
+            <a:off x="381300" y="685800"/>
+            <a:ext cx="6096000" cy="3429000"/>
+          </a:xfrm>
+          <a:custGeom>
+            <a:avLst/>
+            <a:gdLst/>
+            <a:ahLst/>
+            <a:cxnLst/>
+            <a:rect l="l" t="t" r="r" b="b"/>
+            <a:pathLst>
+              <a:path w="120000" h="120000" extrusionOk="0">
+                <a:moveTo>
+                  <a:pt x="0" y="0"/>
+                </a:moveTo>
+                <a:lnTo>
+                  <a:pt x="120000" y="0"/>
+                </a:lnTo>
+                <a:lnTo>
+                  <a:pt x="120000" y="120000"/>
+                </a:lnTo>
+                <a:lnTo>
+                  <a:pt x="0" y="120000"/>
+                </a:lnTo>
+                <a:close/>
+              </a:path>
+            </a:pathLst>
+          </a:custGeom>
+        </p:spPr>
+      </p:sp>
+      <p:sp>
+        <p:nvSpPr>
+          <p:cNvPr id="269" name="Google Shape;269;g296f16b739d_0_6:notes"/>
+          <p:cNvSpPr txBox="1">
+            <a:spLocks noGrp="1"/>
+          </p:cNvSpPr>
+          <p:nvPr>
+            <p:ph type="body" idx="1"/>
+          </p:nvPr>
+        </p:nvSpPr>
+        <p:spPr>
+          <a:xfrm>
+            <a:off x="685800" y="4343400"/>
+            <a:ext cx="5486400" cy="4114800"/>
+          </a:xfrm>
+          <a:prstGeom prst="rect">
+            <a:avLst/>
+          </a:prstGeom>
+        </p:spPr>
+        <p:txBody>
+          <a:bodyPr spcFirstLastPara="1" wrap="square" lIns="91425" tIns="91425" rIns="91425" bIns="91425" anchor="t" anchorCtr="0">
+            <a:noAutofit/>
+          </a:bodyPr>
+          <a:lstStyle/>
+          <a:p>
+            <a:pPr marL="0" lvl="0" indent="0" algn="l" rtl="0">
+              <a:spcBef>
+                <a:spcPts val="0"/>
+              </a:spcBef>
+              <a:spcAft>
+                <a:spcPts val="0"/>
+              </a:spcAft>
+              <a:buNone/>
+            </a:pPr>
+            <a:endParaRPr/>
+          </a:p>
+        </p:txBody>
+      </p:sp>
+    </p:spTree>
+  </p:cSld>
+  <p:clrMapOvr>
+    <a:masterClrMapping/>
+  </p:clrMapOvr>
+</p:notes>
+</file>
+
+<file path=ppt/notesSlides/notesSlide36.xml><?xml version="1.0" encoding="utf-8"?>
+<p:notes xmlns:a="http://schemas.openxmlformats.org/drawingml/2006/main" xmlns:r="http://schemas.openxmlformats.org/officeDocument/2006/relationships" xmlns:p="http://schemas.openxmlformats.org/presentationml/2006/main" showMasterSp="0" showMasterPhAnim="0">
+  <p:cSld>
+    <p:spTree>
+      <p:nvGrpSpPr>
+        <p:cNvPr id="1" name="Shape 273"/>
+        <p:cNvGrpSpPr/>
+        <p:nvPr/>
+      </p:nvGrpSpPr>
+      <p:grpSpPr>
+        <a:xfrm>
+          <a:off x="0" y="0"/>
+          <a:ext cx="0" cy="0"/>
+          <a:chOff x="0" y="0"/>
+          <a:chExt cx="0" cy="0"/>
+        </a:xfrm>
+      </p:grpSpPr>
+      <p:sp>
+        <p:nvSpPr>
+          <p:cNvPr id="274" name="Google Shape;274;g297a3b10a04_2_0:notes"/>
+          <p:cNvSpPr>
+            <a:spLocks noGrp="1" noRot="1" noChangeAspect="1"/>
+          </p:cNvSpPr>
+          <p:nvPr>
+            <p:ph type="sldImg" idx="2"/>
+          </p:nvPr>
+        </p:nvSpPr>
+        <p:spPr>
+          <a:xfrm>
+            <a:off x="381300" y="685800"/>
+            <a:ext cx="6096000" cy="3429000"/>
+          </a:xfrm>
+          <a:custGeom>
+            <a:avLst/>
+            <a:gdLst/>
+            <a:ahLst/>
+            <a:cxnLst/>
+            <a:rect l="l" t="t" r="r" b="b"/>
+            <a:pathLst>
+              <a:path w="120000" h="120000" extrusionOk="0">
+                <a:moveTo>
+                  <a:pt x="0" y="0"/>
+                </a:moveTo>
+                <a:lnTo>
+                  <a:pt x="120000" y="0"/>
+                </a:lnTo>
+                <a:lnTo>
+                  <a:pt x="120000" y="120000"/>
+                </a:lnTo>
+                <a:lnTo>
+                  <a:pt x="0" y="120000"/>
+                </a:lnTo>
+                <a:close/>
+              </a:path>
+            </a:pathLst>
+          </a:custGeom>
+        </p:spPr>
+      </p:sp>
+      <p:sp>
+        <p:nvSpPr>
+          <p:cNvPr id="275" name="Google Shape;275;g297a3b10a04_2_0:notes"/>
+          <p:cNvSpPr txBox="1">
+            <a:spLocks noGrp="1"/>
+          </p:cNvSpPr>
+          <p:nvPr>
+            <p:ph type="body" idx="1"/>
+          </p:nvPr>
+        </p:nvSpPr>
+        <p:spPr>
+          <a:xfrm>
+            <a:off x="685800" y="4343400"/>
+            <a:ext cx="5486400" cy="4114800"/>
+          </a:xfrm>
+          <a:prstGeom prst="rect">
+            <a:avLst/>
+          </a:prstGeom>
+        </p:spPr>
+        <p:txBody>
+          <a:bodyPr spcFirstLastPara="1" wrap="square" lIns="91425" tIns="91425" rIns="91425" bIns="91425" anchor="t" anchorCtr="0">
+            <a:noAutofit/>
+          </a:bodyPr>
+          <a:lstStyle/>
+          <a:p>
+            <a:pPr marL="0" lvl="0" indent="0" algn="l" rtl="0">
+              <a:spcBef>
+                <a:spcPts val="0"/>
+              </a:spcBef>
+              <a:spcAft>
+                <a:spcPts val="0"/>
+              </a:spcAft>
+              <a:buNone/>
+            </a:pPr>
+            <a:endParaRPr/>
+          </a:p>
+        </p:txBody>
+      </p:sp>
+    </p:spTree>
+  </p:cSld>
+  <p:clrMapOvr>
+    <a:masterClrMapping/>
+  </p:clrMapOvr>
+</p:notes>
+</file>
+
+<file path=ppt/notesSlides/notesSlide37.xml><?xml version="1.0" encoding="utf-8"?>
+<p:notes xmlns:a="http://schemas.openxmlformats.org/drawingml/2006/main" xmlns:r="http://schemas.openxmlformats.org/officeDocument/2006/relationships" xmlns:p="http://schemas.openxmlformats.org/presentationml/2006/main" showMasterSp="0" showMasterPhAnim="0">
+  <p:cSld>
+    <p:spTree>
+      <p:nvGrpSpPr>
+        <p:cNvPr id="1" name="Shape 281"/>
+        <p:cNvGrpSpPr/>
+        <p:nvPr/>
+      </p:nvGrpSpPr>
+      <p:grpSpPr>
+        <a:xfrm>
+          <a:off x="0" y="0"/>
+          <a:ext cx="0" cy="0"/>
+          <a:chOff x="0" y="0"/>
+          <a:chExt cx="0" cy="0"/>
+        </a:xfrm>
+      </p:grpSpPr>
+      <p:sp>
+        <p:nvSpPr>
+          <p:cNvPr id="282" name="Google Shape;282;g297a3b10a04_0_0:notes"/>
+          <p:cNvSpPr>
+            <a:spLocks noGrp="1" noRot="1" noChangeAspect="1"/>
+          </p:cNvSpPr>
+          <p:nvPr>
+            <p:ph type="sldImg" idx="2"/>
+          </p:nvPr>
+        </p:nvSpPr>
+        <p:spPr>
+          <a:xfrm>
+            <a:off x="381300" y="685800"/>
+            <a:ext cx="6096000" cy="3429000"/>
+          </a:xfrm>
+          <a:custGeom>
+            <a:avLst/>
+            <a:gdLst/>
+            <a:ahLst/>
+            <a:cxnLst/>
+            <a:rect l="l" t="t" r="r" b="b"/>
+            <a:pathLst>
+              <a:path w="120000" h="120000" extrusionOk="0">
+                <a:moveTo>
+                  <a:pt x="0" y="0"/>
+                </a:moveTo>
+                <a:lnTo>
+                  <a:pt x="120000" y="0"/>
+                </a:lnTo>
+                <a:lnTo>
+                  <a:pt x="120000" y="120000"/>
+                </a:lnTo>
+                <a:lnTo>
+                  <a:pt x="0" y="120000"/>
+                </a:lnTo>
+                <a:close/>
+              </a:path>
+            </a:pathLst>
+          </a:custGeom>
+        </p:spPr>
+      </p:sp>
+      <p:sp>
+        <p:nvSpPr>
+          <p:cNvPr id="283" name="Google Shape;283;g297a3b10a04_0_0:notes"/>
+          <p:cNvSpPr txBox="1">
+            <a:spLocks noGrp="1"/>
+          </p:cNvSpPr>
+          <p:nvPr>
+            <p:ph type="body" idx="1"/>
+          </p:nvPr>
+        </p:nvSpPr>
+        <p:spPr>
+          <a:xfrm>
+            <a:off x="685800" y="4343400"/>
+            <a:ext cx="5486400" cy="4114800"/>
+          </a:xfrm>
+          <a:prstGeom prst="rect">
+            <a:avLst/>
+          </a:prstGeom>
+        </p:spPr>
+        <p:txBody>
+          <a:bodyPr spcFirstLastPara="1" wrap="square" lIns="91425" tIns="91425" rIns="91425" bIns="91425" anchor="t" anchorCtr="0">
+            <a:noAutofit/>
+          </a:bodyPr>
+          <a:lstStyle/>
+          <a:p>
+            <a:pPr marL="0" lvl="0" indent="0" algn="l" rtl="0">
+              <a:spcBef>
+                <a:spcPts val="0"/>
+              </a:spcBef>
+              <a:spcAft>
+                <a:spcPts val="0"/>
+              </a:spcAft>
+              <a:buNone/>
+            </a:pPr>
+            <a:endParaRPr/>
+          </a:p>
+        </p:txBody>
+      </p:sp>
+    </p:spTree>
+  </p:cSld>
+  <p:clrMapOvr>
+    <a:masterClrMapping/>
+  </p:clrMapOvr>
+</p:notes>
+</file>
+
+<file path=ppt/notesSlides/notesSlide38.xml><?xml version="1.0" encoding="utf-8"?>
+<p:notes xmlns:a="http://schemas.openxmlformats.org/drawingml/2006/main" xmlns:r="http://schemas.openxmlformats.org/officeDocument/2006/relationships" xmlns:p="http://schemas.openxmlformats.org/presentationml/2006/main" showMasterSp="0" showMasterPhAnim="0">
+  <p:cSld>
+    <p:spTree>
+      <p:nvGrpSpPr>
+        <p:cNvPr id="1" name="Shape 289"/>
+        <p:cNvGrpSpPr/>
+        <p:nvPr/>
+      </p:nvGrpSpPr>
+      <p:grpSpPr>
+        <a:xfrm>
+          <a:off x="0" y="0"/>
+          <a:ext cx="0" cy="0"/>
+          <a:chOff x="0" y="0"/>
+          <a:chExt cx="0" cy="0"/>
+        </a:xfrm>
+      </p:grpSpPr>
+      <p:sp>
+        <p:nvSpPr>
+          <p:cNvPr id="290" name="Google Shape;290;g297a3b10a04_0_7:notes"/>
+          <p:cNvSpPr>
+            <a:spLocks noGrp="1" noRot="1" noChangeAspect="1"/>
+          </p:cNvSpPr>
+          <p:nvPr>
+            <p:ph type="sldImg" idx="2"/>
+          </p:nvPr>
+        </p:nvSpPr>
+        <p:spPr>
+          <a:xfrm>
+            <a:off x="381300" y="685800"/>
+            <a:ext cx="6096000" cy="3429000"/>
+          </a:xfrm>
+          <a:custGeom>
+            <a:avLst/>
+            <a:gdLst/>
+            <a:ahLst/>
+            <a:cxnLst/>
+            <a:rect l="l" t="t" r="r" b="b"/>
+            <a:pathLst>
+              <a:path w="120000" h="120000" extrusionOk="0">
+                <a:moveTo>
+                  <a:pt x="0" y="0"/>
+                </a:moveTo>
+                <a:lnTo>
+                  <a:pt x="120000" y="0"/>
+                </a:lnTo>
+                <a:lnTo>
+                  <a:pt x="120000" y="120000"/>
+                </a:lnTo>
+                <a:lnTo>
+                  <a:pt x="0" y="120000"/>
+                </a:lnTo>
+                <a:close/>
+              </a:path>
+            </a:pathLst>
+          </a:custGeom>
+        </p:spPr>
+      </p:sp>
+      <p:sp>
+        <p:nvSpPr>
+          <p:cNvPr id="291" name="Google Shape;291;g297a3b10a04_0_7:notes"/>
+          <p:cNvSpPr txBox="1">
+            <a:spLocks noGrp="1"/>
+          </p:cNvSpPr>
+          <p:nvPr>
+            <p:ph type="body" idx="1"/>
+          </p:nvPr>
+        </p:nvSpPr>
+        <p:spPr>
+          <a:xfrm>
+            <a:off x="685800" y="4343400"/>
+            <a:ext cx="5486400" cy="4114800"/>
+          </a:xfrm>
+          <a:prstGeom prst="rect">
+            <a:avLst/>
+          </a:prstGeom>
+        </p:spPr>
+        <p:txBody>
+          <a:bodyPr spcFirstLastPara="1" wrap="square" lIns="91425" tIns="91425" rIns="91425" bIns="91425" anchor="t" anchorCtr="0">
+            <a:noAutofit/>
+          </a:bodyPr>
+          <a:lstStyle/>
+          <a:p>
+            <a:pPr marL="0" lvl="0" indent="0" algn="l" rtl="0">
+              <a:spcBef>
+                <a:spcPts val="0"/>
+              </a:spcBef>
+              <a:spcAft>
+                <a:spcPts val="0"/>
+              </a:spcAft>
+              <a:buNone/>
+            </a:pPr>
+            <a:endParaRPr/>
+          </a:p>
+        </p:txBody>
+      </p:sp>
+    </p:spTree>
+  </p:cSld>
+  <p:clrMapOvr>
+    <a:masterClrMapping/>
+  </p:clrMapOvr>
+</p:notes>
+</file>
+
+<file path=ppt/notesSlides/notesSlide39.xml><?xml version="1.0" encoding="utf-8"?>
+<p:notes xmlns:a="http://schemas.openxmlformats.org/drawingml/2006/main" xmlns:r="http://schemas.openxmlformats.org/officeDocument/2006/relationships" xmlns:p="http://schemas.openxmlformats.org/presentationml/2006/main" showMasterSp="0" showMasterPhAnim="0">
+  <p:cSld>
+    <p:spTree>
+      <p:nvGrpSpPr>
+        <p:cNvPr id="1" name="Shape 296"/>
+        <p:cNvGrpSpPr/>
+        <p:nvPr/>
+      </p:nvGrpSpPr>
+      <p:grpSpPr>
+        <a:xfrm>
+          <a:off x="0" y="0"/>
+          <a:ext cx="0" cy="0"/>
+          <a:chOff x="0" y="0"/>
+          <a:chExt cx="0" cy="0"/>
+        </a:xfrm>
+      </p:grpSpPr>
+      <p:sp>
+        <p:nvSpPr>
+          <p:cNvPr id="297" name="Google Shape;297;g297a3b10a04_0_24:notes"/>
+          <p:cNvSpPr>
+            <a:spLocks noGrp="1" noRot="1" noChangeAspect="1"/>
+          </p:cNvSpPr>
+          <p:nvPr>
+            <p:ph type="sldImg" idx="2"/>
+          </p:nvPr>
+        </p:nvSpPr>
+        <p:spPr>
+          <a:xfrm>
+            <a:off x="381300" y="685800"/>
+            <a:ext cx="6096000" cy="3429000"/>
+          </a:xfrm>
+          <a:custGeom>
+            <a:avLst/>
+            <a:gdLst/>
+            <a:ahLst/>
+            <a:cxnLst/>
+            <a:rect l="l" t="t" r="r" b="b"/>
+            <a:pathLst>
+              <a:path w="120000" h="120000" extrusionOk="0">
+                <a:moveTo>
+                  <a:pt x="0" y="0"/>
+                </a:moveTo>
+                <a:lnTo>
+                  <a:pt x="120000" y="0"/>
+                </a:lnTo>
+                <a:lnTo>
+                  <a:pt x="120000" y="120000"/>
+                </a:lnTo>
+                <a:lnTo>
+                  <a:pt x="0" y="120000"/>
+                </a:lnTo>
+                <a:close/>
+              </a:path>
+            </a:pathLst>
+          </a:custGeom>
+        </p:spPr>
+      </p:sp>
+      <p:sp>
+        <p:nvSpPr>
+          <p:cNvPr id="298" name="Google Shape;298;g297a3b10a04_0_24:notes"/>
           <p:cNvSpPr txBox="1">
             <a:spLocks noGrp="1"/>
           </p:cNvSpPr>
@@ -2669,6 +4244,422 @@
       <p:sp>
         <p:nvSpPr>
           <p:cNvPr id="68" name="Google Shape;68;gf1db13dc29_0_6:notes"/>
+          <p:cNvSpPr txBox="1">
+            <a:spLocks noGrp="1"/>
+          </p:cNvSpPr>
+          <p:nvPr>
+            <p:ph type="body" idx="1"/>
+          </p:nvPr>
+        </p:nvSpPr>
+        <p:spPr>
+          <a:xfrm>
+            <a:off x="685800" y="4343400"/>
+            <a:ext cx="5486400" cy="4114800"/>
+          </a:xfrm>
+          <a:prstGeom prst="rect">
+            <a:avLst/>
+          </a:prstGeom>
+        </p:spPr>
+        <p:txBody>
+          <a:bodyPr spcFirstLastPara="1" wrap="square" lIns="91425" tIns="91425" rIns="91425" bIns="91425" anchor="t" anchorCtr="0">
+            <a:noAutofit/>
+          </a:bodyPr>
+          <a:lstStyle/>
+          <a:p>
+            <a:pPr marL="0" lvl="0" indent="0" algn="l" rtl="0">
+              <a:spcBef>
+                <a:spcPts val="0"/>
+              </a:spcBef>
+              <a:spcAft>
+                <a:spcPts val="0"/>
+              </a:spcAft>
+              <a:buNone/>
+            </a:pPr>
+            <a:endParaRPr/>
+          </a:p>
+        </p:txBody>
+      </p:sp>
+    </p:spTree>
+  </p:cSld>
+  <p:clrMapOvr>
+    <a:masterClrMapping/>
+  </p:clrMapOvr>
+</p:notes>
+</file>
+
+<file path=ppt/notesSlides/notesSlide40.xml><?xml version="1.0" encoding="utf-8"?>
+<p:notes xmlns:a="http://schemas.openxmlformats.org/drawingml/2006/main" xmlns:r="http://schemas.openxmlformats.org/officeDocument/2006/relationships" xmlns:p="http://schemas.openxmlformats.org/presentationml/2006/main" showMasterSp="0" showMasterPhAnim="0">
+  <p:cSld>
+    <p:spTree>
+      <p:nvGrpSpPr>
+        <p:cNvPr id="1" name="Shape 305"/>
+        <p:cNvGrpSpPr/>
+        <p:nvPr/>
+      </p:nvGrpSpPr>
+      <p:grpSpPr>
+        <a:xfrm>
+          <a:off x="0" y="0"/>
+          <a:ext cx="0" cy="0"/>
+          <a:chOff x="0" y="0"/>
+          <a:chExt cx="0" cy="0"/>
+        </a:xfrm>
+      </p:grpSpPr>
+      <p:sp>
+        <p:nvSpPr>
+          <p:cNvPr id="306" name="Google Shape;306;g297a3b10a04_0_37:notes"/>
+          <p:cNvSpPr>
+            <a:spLocks noGrp="1" noRot="1" noChangeAspect="1"/>
+          </p:cNvSpPr>
+          <p:nvPr>
+            <p:ph type="sldImg" idx="2"/>
+          </p:nvPr>
+        </p:nvSpPr>
+        <p:spPr>
+          <a:xfrm>
+            <a:off x="381300" y="685800"/>
+            <a:ext cx="6096000" cy="3429000"/>
+          </a:xfrm>
+          <a:custGeom>
+            <a:avLst/>
+            <a:gdLst/>
+            <a:ahLst/>
+            <a:cxnLst/>
+            <a:rect l="l" t="t" r="r" b="b"/>
+            <a:pathLst>
+              <a:path w="120000" h="120000" extrusionOk="0">
+                <a:moveTo>
+                  <a:pt x="0" y="0"/>
+                </a:moveTo>
+                <a:lnTo>
+                  <a:pt x="120000" y="0"/>
+                </a:lnTo>
+                <a:lnTo>
+                  <a:pt x="120000" y="120000"/>
+                </a:lnTo>
+                <a:lnTo>
+                  <a:pt x="0" y="120000"/>
+                </a:lnTo>
+                <a:close/>
+              </a:path>
+            </a:pathLst>
+          </a:custGeom>
+        </p:spPr>
+      </p:sp>
+      <p:sp>
+        <p:nvSpPr>
+          <p:cNvPr id="307" name="Google Shape;307;g297a3b10a04_0_37:notes"/>
+          <p:cNvSpPr txBox="1">
+            <a:spLocks noGrp="1"/>
+          </p:cNvSpPr>
+          <p:nvPr>
+            <p:ph type="body" idx="1"/>
+          </p:nvPr>
+        </p:nvSpPr>
+        <p:spPr>
+          <a:xfrm>
+            <a:off x="685800" y="4343400"/>
+            <a:ext cx="5486400" cy="4114800"/>
+          </a:xfrm>
+          <a:prstGeom prst="rect">
+            <a:avLst/>
+          </a:prstGeom>
+        </p:spPr>
+        <p:txBody>
+          <a:bodyPr spcFirstLastPara="1" wrap="square" lIns="91425" tIns="91425" rIns="91425" bIns="91425" anchor="t" anchorCtr="0">
+            <a:noAutofit/>
+          </a:bodyPr>
+          <a:lstStyle/>
+          <a:p>
+            <a:pPr marL="0" lvl="0" indent="0" algn="l" rtl="0">
+              <a:spcBef>
+                <a:spcPts val="0"/>
+              </a:spcBef>
+              <a:spcAft>
+                <a:spcPts val="0"/>
+              </a:spcAft>
+              <a:buNone/>
+            </a:pPr>
+            <a:endParaRPr/>
+          </a:p>
+        </p:txBody>
+      </p:sp>
+    </p:spTree>
+  </p:cSld>
+  <p:clrMapOvr>
+    <a:masterClrMapping/>
+  </p:clrMapOvr>
+</p:notes>
+</file>
+
+<file path=ppt/notesSlides/notesSlide41.xml><?xml version="1.0" encoding="utf-8"?>
+<p:notes xmlns:a="http://schemas.openxmlformats.org/drawingml/2006/main" xmlns:r="http://schemas.openxmlformats.org/officeDocument/2006/relationships" xmlns:p="http://schemas.openxmlformats.org/presentationml/2006/main" showMasterSp="0" showMasterPhAnim="0">
+  <p:cSld>
+    <p:spTree>
+      <p:nvGrpSpPr>
+        <p:cNvPr id="1" name="Shape 314"/>
+        <p:cNvGrpSpPr/>
+        <p:nvPr/>
+      </p:nvGrpSpPr>
+      <p:grpSpPr>
+        <a:xfrm>
+          <a:off x="0" y="0"/>
+          <a:ext cx="0" cy="0"/>
+          <a:chOff x="0" y="0"/>
+          <a:chExt cx="0" cy="0"/>
+        </a:xfrm>
+      </p:grpSpPr>
+      <p:sp>
+        <p:nvSpPr>
+          <p:cNvPr id="315" name="Google Shape;315;g297a3b10a04_0_51:notes"/>
+          <p:cNvSpPr>
+            <a:spLocks noGrp="1" noRot="1" noChangeAspect="1"/>
+          </p:cNvSpPr>
+          <p:nvPr>
+            <p:ph type="sldImg" idx="2"/>
+          </p:nvPr>
+        </p:nvSpPr>
+        <p:spPr>
+          <a:xfrm>
+            <a:off x="381300" y="685800"/>
+            <a:ext cx="6096000" cy="3429000"/>
+          </a:xfrm>
+          <a:custGeom>
+            <a:avLst/>
+            <a:gdLst/>
+            <a:ahLst/>
+            <a:cxnLst/>
+            <a:rect l="l" t="t" r="r" b="b"/>
+            <a:pathLst>
+              <a:path w="120000" h="120000" extrusionOk="0">
+                <a:moveTo>
+                  <a:pt x="0" y="0"/>
+                </a:moveTo>
+                <a:lnTo>
+                  <a:pt x="120000" y="0"/>
+                </a:lnTo>
+                <a:lnTo>
+                  <a:pt x="120000" y="120000"/>
+                </a:lnTo>
+                <a:lnTo>
+                  <a:pt x="0" y="120000"/>
+                </a:lnTo>
+                <a:close/>
+              </a:path>
+            </a:pathLst>
+          </a:custGeom>
+        </p:spPr>
+      </p:sp>
+      <p:sp>
+        <p:nvSpPr>
+          <p:cNvPr id="316" name="Google Shape;316;g297a3b10a04_0_51:notes"/>
+          <p:cNvSpPr txBox="1">
+            <a:spLocks noGrp="1"/>
+          </p:cNvSpPr>
+          <p:nvPr>
+            <p:ph type="body" idx="1"/>
+          </p:nvPr>
+        </p:nvSpPr>
+        <p:spPr>
+          <a:xfrm>
+            <a:off x="685800" y="4343400"/>
+            <a:ext cx="5486400" cy="4114800"/>
+          </a:xfrm>
+          <a:prstGeom prst="rect">
+            <a:avLst/>
+          </a:prstGeom>
+        </p:spPr>
+        <p:txBody>
+          <a:bodyPr spcFirstLastPara="1" wrap="square" lIns="91425" tIns="91425" rIns="91425" bIns="91425" anchor="t" anchorCtr="0">
+            <a:noAutofit/>
+          </a:bodyPr>
+          <a:lstStyle/>
+          <a:p>
+            <a:pPr marL="0" lvl="0" indent="0" algn="l" rtl="0">
+              <a:spcBef>
+                <a:spcPts val="0"/>
+              </a:spcBef>
+              <a:spcAft>
+                <a:spcPts val="0"/>
+              </a:spcAft>
+              <a:buNone/>
+            </a:pPr>
+            <a:endParaRPr/>
+          </a:p>
+        </p:txBody>
+      </p:sp>
+    </p:spTree>
+  </p:cSld>
+  <p:clrMapOvr>
+    <a:masterClrMapping/>
+  </p:clrMapOvr>
+</p:notes>
+</file>
+
+<file path=ppt/notesSlides/notesSlide42.xml><?xml version="1.0" encoding="utf-8"?>
+<p:notes xmlns:a="http://schemas.openxmlformats.org/drawingml/2006/main" xmlns:r="http://schemas.openxmlformats.org/officeDocument/2006/relationships" xmlns:p="http://schemas.openxmlformats.org/presentationml/2006/main" showMasterSp="0" showMasterPhAnim="0">
+  <p:cSld>
+    <p:spTree>
+      <p:nvGrpSpPr>
+        <p:cNvPr id="1" name="Shape 324"/>
+        <p:cNvGrpSpPr/>
+        <p:nvPr/>
+      </p:nvGrpSpPr>
+      <p:grpSpPr>
+        <a:xfrm>
+          <a:off x="0" y="0"/>
+          <a:ext cx="0" cy="0"/>
+          <a:chOff x="0" y="0"/>
+          <a:chExt cx="0" cy="0"/>
+        </a:xfrm>
+      </p:grpSpPr>
+      <p:sp>
+        <p:nvSpPr>
+          <p:cNvPr id="325" name="Google Shape;325;g297a3b10a04_0_68:notes"/>
+          <p:cNvSpPr>
+            <a:spLocks noGrp="1" noRot="1" noChangeAspect="1"/>
+          </p:cNvSpPr>
+          <p:nvPr>
+            <p:ph type="sldImg" idx="2"/>
+          </p:nvPr>
+        </p:nvSpPr>
+        <p:spPr>
+          <a:xfrm>
+            <a:off x="381300" y="685800"/>
+            <a:ext cx="6096000" cy="3429000"/>
+          </a:xfrm>
+          <a:custGeom>
+            <a:avLst/>
+            <a:gdLst/>
+            <a:ahLst/>
+            <a:cxnLst/>
+            <a:rect l="l" t="t" r="r" b="b"/>
+            <a:pathLst>
+              <a:path w="120000" h="120000" extrusionOk="0">
+                <a:moveTo>
+                  <a:pt x="0" y="0"/>
+                </a:moveTo>
+                <a:lnTo>
+                  <a:pt x="120000" y="0"/>
+                </a:lnTo>
+                <a:lnTo>
+                  <a:pt x="120000" y="120000"/>
+                </a:lnTo>
+                <a:lnTo>
+                  <a:pt x="0" y="120000"/>
+                </a:lnTo>
+                <a:close/>
+              </a:path>
+            </a:pathLst>
+          </a:custGeom>
+        </p:spPr>
+      </p:sp>
+      <p:sp>
+        <p:nvSpPr>
+          <p:cNvPr id="326" name="Google Shape;326;g297a3b10a04_0_68:notes"/>
+          <p:cNvSpPr txBox="1">
+            <a:spLocks noGrp="1"/>
+          </p:cNvSpPr>
+          <p:nvPr>
+            <p:ph type="body" idx="1"/>
+          </p:nvPr>
+        </p:nvSpPr>
+        <p:spPr>
+          <a:xfrm>
+            <a:off x="685800" y="4343400"/>
+            <a:ext cx="5486400" cy="4114800"/>
+          </a:xfrm>
+          <a:prstGeom prst="rect">
+            <a:avLst/>
+          </a:prstGeom>
+        </p:spPr>
+        <p:txBody>
+          <a:bodyPr spcFirstLastPara="1" wrap="square" lIns="91425" tIns="91425" rIns="91425" bIns="91425" anchor="t" anchorCtr="0">
+            <a:noAutofit/>
+          </a:bodyPr>
+          <a:lstStyle/>
+          <a:p>
+            <a:pPr marL="0" lvl="0" indent="0" algn="l" rtl="0">
+              <a:spcBef>
+                <a:spcPts val="0"/>
+              </a:spcBef>
+              <a:spcAft>
+                <a:spcPts val="0"/>
+              </a:spcAft>
+              <a:buNone/>
+            </a:pPr>
+            <a:endParaRPr/>
+          </a:p>
+        </p:txBody>
+      </p:sp>
+    </p:spTree>
+  </p:cSld>
+  <p:clrMapOvr>
+    <a:masterClrMapping/>
+  </p:clrMapOvr>
+</p:notes>
+</file>
+
+<file path=ppt/notesSlides/notesSlide43.xml><?xml version="1.0" encoding="utf-8"?>
+<p:notes xmlns:a="http://schemas.openxmlformats.org/drawingml/2006/main" xmlns:r="http://schemas.openxmlformats.org/officeDocument/2006/relationships" xmlns:p="http://schemas.openxmlformats.org/presentationml/2006/main" showMasterSp="0" showMasterPhAnim="0">
+  <p:cSld>
+    <p:spTree>
+      <p:nvGrpSpPr>
+        <p:cNvPr id="1" name="Shape 330"/>
+        <p:cNvGrpSpPr/>
+        <p:nvPr/>
+      </p:nvGrpSpPr>
+      <p:grpSpPr>
+        <a:xfrm>
+          <a:off x="0" y="0"/>
+          <a:ext cx="0" cy="0"/>
+          <a:chOff x="0" y="0"/>
+          <a:chExt cx="0" cy="0"/>
+        </a:xfrm>
+      </p:grpSpPr>
+      <p:sp>
+        <p:nvSpPr>
+          <p:cNvPr id="331" name="Google Shape;331;g297a3b10a04_0_75:notes"/>
+          <p:cNvSpPr>
+            <a:spLocks noGrp="1" noRot="1" noChangeAspect="1"/>
+          </p:cNvSpPr>
+          <p:nvPr>
+            <p:ph type="sldImg" idx="2"/>
+          </p:nvPr>
+        </p:nvSpPr>
+        <p:spPr>
+          <a:xfrm>
+            <a:off x="381000" y="685800"/>
+            <a:ext cx="6096000" cy="3429000"/>
+          </a:xfrm>
+          <a:custGeom>
+            <a:avLst/>
+            <a:gdLst/>
+            <a:ahLst/>
+            <a:cxnLst/>
+            <a:rect l="l" t="t" r="r" b="b"/>
+            <a:pathLst>
+              <a:path w="120000" h="120000" extrusionOk="0">
+                <a:moveTo>
+                  <a:pt x="0" y="0"/>
+                </a:moveTo>
+                <a:lnTo>
+                  <a:pt x="120000" y="0"/>
+                </a:lnTo>
+                <a:lnTo>
+                  <a:pt x="120000" y="120000"/>
+                </a:lnTo>
+                <a:lnTo>
+                  <a:pt x="0" y="120000"/>
+                </a:lnTo>
+                <a:close/>
+              </a:path>
+            </a:pathLst>
+          </a:custGeom>
+        </p:spPr>
+      </p:sp>
+      <p:sp>
+        <p:nvSpPr>
+          <p:cNvPr id="332" name="Google Shape;332;g297a3b10a04_0_75:notes"/>
           <p:cNvSpPr txBox="1">
             <a:spLocks noGrp="1"/>
           </p:cNvSpPr>
@@ -8084,39 +10075,33 @@
           </a:bodyPr>
           <a:lstStyle/>
           <a:p>
-            <a:pPr marL="0" lvl="0" indent="0" rtl="0">
-              <a:spcBef>
-                <a:spcPts val="0"/>
-              </a:spcBef>
-              <a:spcAft>
-                <a:spcPts val="0"/>
-              </a:spcAft>
-              <a:buNone/>
+            <a:pPr marL="0" lvl="0" indent="0" algn="l" rtl="0">
+              <a:spcBef>
+                <a:spcPts val="0"/>
+              </a:spcBef>
+              <a:spcAft>
+                <a:spcPts val="0"/>
+              </a:spcAft>
             </a:pPr>
             <a:r>
-              <a:rPr lang="it" sz="2000" dirty="0">
-                <a:latin typeface="Abadi" panose="020B0604020104020204" pitchFamily="34" charset="0"/>
-              </a:rPr>
+              <a:rPr lang="it" sz="1600" b="1" dirty="0"/>
               <a:t>A consulta destes slides não dispensa a leitura e estudo das Referências Bibliográficas desta Unidade Curricular (cf. </a:t>
             </a:r>
             <a:r>
-              <a:rPr lang="it" sz="2000" u="sng" dirty="0">
+              <a:rPr lang="it" sz="1600" b="1" u="sng" dirty="0">
                 <a:solidFill>
                   <a:schemeClr val="hlink"/>
                 </a:solidFill>
-                <a:latin typeface="Abadi" panose="020B0604020104020204" pitchFamily="34" charset="0"/>
                 <a:hlinkClick r:id="rId3"/>
               </a:rPr>
               <a:t>Ficha Curricular</a:t>
             </a:r>
             <a:r>
-              <a:rPr lang="it" sz="2000" dirty="0">
-                <a:latin typeface="Abadi" panose="020B0604020104020204" pitchFamily="34" charset="0"/>
-              </a:rPr>
-              <a:t>)</a:t>
+              <a:rPr lang="it" sz="1600" b="1" dirty="0"/>
+              <a:t>)  (Moodle: https://moodle.maieutica.pt/course/view.php?id=18701):</a:t>
             </a:r>
-            <a:endParaRPr lang="en-US" sz="1200" dirty="0">
-              <a:latin typeface="Abadi" panose="020B0604020104020204" pitchFamily="34" charset="0"/>
+            <a:endParaRPr sz="1600" b="1" dirty="0">
+              <a:latin typeface="Oxygen"/>
               <a:ea typeface="Oxygen"/>
               <a:cs typeface="Oxygen"/>
               <a:sym typeface="Oxygen"/>
@@ -8135,7 +10120,7 @@
               <a:buChar char="●"/>
             </a:pPr>
             <a:r>
-              <a:rPr lang="en-US" sz="1800" dirty="0">
+              <a:rPr lang="it" sz="1800" dirty="0">
                 <a:solidFill>
                   <a:srgbClr val="676767"/>
                 </a:solidFill>
@@ -8146,6 +10131,15 @@
               </a:rPr>
               <a:t>“Learning from the Magic Kingdom”, Arango, J., 2022</a:t>
             </a:r>
+            <a:endParaRPr sz="1800" dirty="0">
+              <a:solidFill>
+                <a:srgbClr val="676767"/>
+              </a:solidFill>
+              <a:latin typeface="Oxygen"/>
+              <a:ea typeface="Oxygen"/>
+              <a:cs typeface="Oxygen"/>
+              <a:sym typeface="Oxygen"/>
+            </a:endParaRPr>
           </a:p>
           <a:p>
             <a:pPr marL="457200" lvl="0" indent="-342900" algn="l" rtl="0">
@@ -8211,91 +10205,11 @@
               </a:rPr>
               <a:t>"Mobile First"; L. Wroblewski; A Book Apart 2011</a:t>
             </a:r>
-          </a:p>
-          <a:p>
-            <a:pPr marL="114300" lvl="0" indent="0" algn="l" rtl="0">
-              <a:lnSpc>
-                <a:spcPct val="115000"/>
-              </a:lnSpc>
-              <a:spcBef>
-                <a:spcPts val="0"/>
-              </a:spcBef>
-              <a:spcAft>
-                <a:spcPts val="0"/>
-              </a:spcAft>
-              <a:buClr>
-                <a:schemeClr val="dk1"/>
-              </a:buClr>
-              <a:buSzPts val="1800"/>
-            </a:pPr>
-            <a:endParaRPr lang="it-IT" sz="1200" dirty="0">
-              <a:solidFill>
-                <a:srgbClr val="676767"/>
-              </a:solidFill>
-              <a:latin typeface="Abadi" panose="020B0604020104020204" pitchFamily="34" charset="0"/>
-              <a:ea typeface="Oxygen"/>
-              <a:cs typeface="Oxygen"/>
-              <a:sym typeface="Oxygen"/>
-            </a:endParaRPr>
-          </a:p>
-          <a:p>
-            <a:pPr marL="114300" lvl="0" indent="0" algn="l" rtl="0">
-              <a:lnSpc>
-                <a:spcPct val="115000"/>
-              </a:lnSpc>
-              <a:spcBef>
-                <a:spcPts val="0"/>
-              </a:spcBef>
-              <a:spcAft>
-                <a:spcPts val="0"/>
-              </a:spcAft>
-              <a:buClr>
-                <a:schemeClr val="dk1"/>
-              </a:buClr>
-              <a:buSzPts val="1800"/>
-            </a:pPr>
-            <a:r>
-              <a:rPr lang="it-IT" sz="1200" dirty="0">
-                <a:solidFill>
-                  <a:srgbClr val="676767"/>
-                </a:solidFill>
-                <a:latin typeface="Abadi" panose="020B0604020104020204" pitchFamily="34" charset="0"/>
-                <a:ea typeface="Oxygen"/>
-                <a:cs typeface="Oxygen"/>
-                <a:sym typeface="Oxygen"/>
-              </a:rPr>
-              <a:t>M</a:t>
-            </a:r>
-            <a:r>
-              <a:rPr lang="it" sz="1200" dirty="0">
-                <a:solidFill>
-                  <a:srgbClr val="676767"/>
-                </a:solidFill>
-                <a:latin typeface="Abadi" panose="020B0604020104020204" pitchFamily="34" charset="0"/>
-                <a:ea typeface="Oxygen"/>
-                <a:cs typeface="Oxygen"/>
-                <a:sym typeface="Oxygen"/>
-              </a:rPr>
-              <a:t>ais informação em</a:t>
-            </a:r>
-            <a:r>
-              <a:rPr lang="en-US" sz="1200" dirty="0">
-                <a:latin typeface="Abadi" panose="020B0604020104020204" pitchFamily="34" charset="0"/>
-              </a:rPr>
-              <a:t> </a:t>
-            </a:r>
-            <a:r>
-              <a:rPr lang="en-US" sz="1200" dirty="0">
-                <a:latin typeface="Abadi" panose="020B0604020104020204" pitchFamily="34" charset="0"/>
-                <a:hlinkClick r:id="rId4"/>
-              </a:rPr>
-              <a:t>https://moodle.maieutica.pt/course/view.php?id=18701</a:t>
-            </a:r>
-            <a:endParaRPr sz="1200" dirty="0">
+            <a:endParaRPr sz="1800" b="1" i="1" dirty="0">
               <a:solidFill>
                 <a:schemeClr val="dk1"/>
               </a:solidFill>
-              <a:latin typeface="Abadi" panose="020B0604020104020204" pitchFamily="34" charset="0"/>
+              <a:latin typeface="Oxygen"/>
               <a:ea typeface="Oxygen"/>
               <a:cs typeface="Oxygen"/>
               <a:sym typeface="Oxygen"/>
@@ -10676,7 +12590,7 @@
   <p:cSld>
     <p:spTree>
       <p:nvGrpSpPr>
-        <p:cNvPr id="1" name=""/>
+        <p:cNvPr id="1" name="Shape 199"/>
         <p:cNvGrpSpPr/>
         <p:nvPr/>
       </p:nvGrpSpPr>
@@ -10688,40 +12602,822 @@
           <a:chExt cx="0" cy="0"/>
         </a:xfrm>
       </p:grpSpPr>
-      <p:sp>
-        <p:nvSpPr>
-          <p:cNvPr id="2" name="Title 1">
-            <a:extLst>
-              <a:ext uri="{FF2B5EF4-FFF2-40B4-BE49-F238E27FC236}">
-                <a16:creationId xmlns:a16="http://schemas.microsoft.com/office/drawing/2014/main" id="{9014BA1A-4DE8-D5A3-CC84-0EBF63CE79E7}"/>
-              </a:ext>
-            </a:extLst>
-          </p:cNvPr>
-          <p:cNvSpPr>
-            <a:spLocks noGrp="1"/>
-          </p:cNvSpPr>
-          <p:nvPr>
-            <p:ph type="title"/>
-          </p:nvPr>
-        </p:nvSpPr>
-        <p:spPr/>
+      <p:pic>
+        <p:nvPicPr>
+          <p:cNvPr id="200" name="Google Shape;200;p37"/>
+          <p:cNvPicPr preferRelativeResize="0"/>
+          <p:nvPr/>
+        </p:nvPicPr>
+        <p:blipFill>
+          <a:blip r:embed="rId3">
+            <a:alphaModFix/>
+          </a:blip>
+          <a:stretch>
+            <a:fillRect/>
+          </a:stretch>
+        </p:blipFill>
+        <p:spPr>
+          <a:xfrm>
+            <a:off x="61100" y="1745150"/>
+            <a:ext cx="8839201" cy="2585977"/>
+          </a:xfrm>
+          <a:prstGeom prst="rect">
+            <a:avLst/>
+          </a:prstGeom>
+          <a:noFill/>
+          <a:ln>
+            <a:noFill/>
+          </a:ln>
+        </p:spPr>
+      </p:pic>
+    </p:spTree>
+  </p:cSld>
+  <p:clrMapOvr>
+    <a:masterClrMapping/>
+  </p:clrMapOvr>
+</p:sld>
+</file>
+
+<file path=ppt/slides/slide26.xml><?xml version="1.0" encoding="utf-8"?>
+<p:sld xmlns:a="http://schemas.openxmlformats.org/drawingml/2006/main" xmlns:r="http://schemas.openxmlformats.org/officeDocument/2006/relationships" xmlns:p="http://schemas.openxmlformats.org/presentationml/2006/main">
+  <p:cSld>
+    <p:spTree>
+      <p:nvGrpSpPr>
+        <p:cNvPr id="1" name="Shape 204"/>
+        <p:cNvGrpSpPr/>
+        <p:nvPr/>
+      </p:nvGrpSpPr>
+      <p:grpSpPr>
+        <a:xfrm>
+          <a:off x="0" y="0"/>
+          <a:ext cx="0" cy="0"/>
+          <a:chOff x="0" y="0"/>
+          <a:chExt cx="0" cy="0"/>
+        </a:xfrm>
+      </p:grpSpPr>
+      <p:sp>
+        <p:nvSpPr>
+          <p:cNvPr id="205" name="Google Shape;205;p38"/>
+          <p:cNvSpPr/>
+          <p:nvPr/>
+        </p:nvSpPr>
+        <p:spPr>
+          <a:xfrm>
+            <a:off x="280025" y="307350"/>
+            <a:ext cx="8434800" cy="826200"/>
+          </a:xfrm>
+          <a:prstGeom prst="roundRect">
+            <a:avLst>
+              <a:gd name="adj" fmla="val 16667"/>
+            </a:avLst>
+          </a:prstGeom>
+          <a:solidFill>
+            <a:schemeClr val="lt2"/>
+          </a:solidFill>
+          <a:ln w="9525" cap="flat" cmpd="sng">
+            <a:solidFill>
+              <a:schemeClr val="dk2"/>
+            </a:solidFill>
+            <a:prstDash val="solid"/>
+            <a:round/>
+            <a:headEnd type="none" w="sm" len="sm"/>
+            <a:tailEnd type="none" w="sm" len="sm"/>
+          </a:ln>
+        </p:spPr>
         <p:txBody>
-          <a:bodyPr/>
+          <a:bodyPr spcFirstLastPara="1" wrap="square" lIns="91425" tIns="91425" rIns="91425" bIns="91425" anchor="ctr" anchorCtr="0">
+            <a:noAutofit/>
+          </a:bodyPr>
           <a:lstStyle/>
           <a:p>
+            <a:pPr marL="0" lvl="0" indent="0" algn="l" rtl="0">
+              <a:spcBef>
+                <a:spcPts val="0"/>
+              </a:spcBef>
+              <a:spcAft>
+                <a:spcPts val="0"/>
+              </a:spcAft>
+              <a:buNone/>
+            </a:pPr>
             <a:r>
-              <a:rPr lang="it-IT" dirty="0"/>
-              <a:t>(continua...)</a:t>
+              <a:rPr lang="it" sz="3300"/>
+              <a:t> “Desenhar/Projectar para a Compreensão”</a:t>
             </a:r>
+            <a:endParaRPr sz="3300"/>
           </a:p>
         </p:txBody>
       </p:sp>
+      <p:sp>
+        <p:nvSpPr>
+          <p:cNvPr id="206" name="Google Shape;206;p38"/>
+          <p:cNvSpPr txBox="1"/>
+          <p:nvPr/>
+        </p:nvSpPr>
+        <p:spPr>
+          <a:xfrm>
+            <a:off x="280025" y="1380550"/>
+            <a:ext cx="8434800" cy="3386400"/>
+          </a:xfrm>
+          <a:prstGeom prst="rect">
+            <a:avLst/>
+          </a:prstGeom>
+          <a:noFill/>
+          <a:ln>
+            <a:noFill/>
+          </a:ln>
+        </p:spPr>
+        <p:txBody>
+          <a:bodyPr spcFirstLastPara="1" wrap="square" lIns="91425" tIns="91425" rIns="91425" bIns="91425" anchor="t" anchorCtr="0">
+            <a:spAutoFit/>
+          </a:bodyPr>
+          <a:lstStyle/>
+          <a:p>
+            <a:pPr marL="457200" lvl="0" indent="-393700" algn="l" rtl="0">
+              <a:spcBef>
+                <a:spcPts val="0"/>
+              </a:spcBef>
+              <a:spcAft>
+                <a:spcPts val="0"/>
+              </a:spcAft>
+              <a:buSzPts val="2600"/>
+              <a:buChar char="-"/>
+            </a:pPr>
+            <a:r>
+              <a:rPr lang="it" sz="2600"/>
+              <a:t>A estrutura influencia/determina a comprensão</a:t>
+            </a:r>
+            <a:endParaRPr sz="2600"/>
+          </a:p>
+          <a:p>
+            <a:pPr marL="457200" lvl="0" indent="-393700" algn="l" rtl="0">
+              <a:spcBef>
+                <a:spcPts val="0"/>
+              </a:spcBef>
+              <a:spcAft>
+                <a:spcPts val="0"/>
+              </a:spcAft>
+              <a:buSzPts val="2600"/>
+              <a:buChar char="-"/>
+            </a:pPr>
+            <a:r>
+              <a:rPr lang="it" sz="2600"/>
+              <a:t>plataformas como ‘locais’ (espaços virtuais)</a:t>
+            </a:r>
+            <a:endParaRPr sz="2600"/>
+          </a:p>
+          <a:p>
+            <a:pPr marL="457200" lvl="0" indent="-393700" algn="l" rtl="0">
+              <a:spcBef>
+                <a:spcPts val="0"/>
+              </a:spcBef>
+              <a:spcAft>
+                <a:spcPts val="0"/>
+              </a:spcAft>
+              <a:buSzPts val="2600"/>
+              <a:buChar char="-"/>
+            </a:pPr>
+            <a:r>
+              <a:rPr lang="it" sz="2600"/>
+              <a:t>utilização de metáforas mundo real - mundo virtual</a:t>
+            </a:r>
+            <a:endParaRPr sz="2600"/>
+          </a:p>
+          <a:p>
+            <a:pPr marL="0" lvl="0" indent="0" algn="l" rtl="0">
+              <a:spcBef>
+                <a:spcPts val="0"/>
+              </a:spcBef>
+              <a:spcAft>
+                <a:spcPts val="0"/>
+              </a:spcAft>
+              <a:buNone/>
+            </a:pPr>
+            <a:endParaRPr sz="2600"/>
+          </a:p>
+          <a:p>
+            <a:pPr marL="0" lvl="0" indent="0" algn="l" rtl="0">
+              <a:spcBef>
+                <a:spcPts val="0"/>
+              </a:spcBef>
+              <a:spcAft>
+                <a:spcPts val="0"/>
+              </a:spcAft>
+              <a:buNone/>
+            </a:pPr>
+            <a:endParaRPr sz="2600"/>
+          </a:p>
+          <a:p>
+            <a:pPr marL="0" lvl="0" indent="0" algn="l" rtl="0">
+              <a:spcBef>
+                <a:spcPts val="0"/>
+              </a:spcBef>
+              <a:spcAft>
+                <a:spcPts val="0"/>
+              </a:spcAft>
+              <a:buNone/>
+            </a:pPr>
+            <a:endParaRPr sz="2600"/>
+          </a:p>
+          <a:p>
+            <a:pPr marL="0" lvl="0" indent="0" algn="l" rtl="0">
+              <a:spcBef>
+                <a:spcPts val="0"/>
+              </a:spcBef>
+              <a:spcAft>
+                <a:spcPts val="0"/>
+              </a:spcAft>
+              <a:buNone/>
+            </a:pPr>
+            <a:r>
+              <a:rPr lang="it" sz="2600"/>
+              <a:t>“Procurar/navegar” e “compreender” devem estar balanceados e ser respondidos com igual clareza.</a:t>
+            </a:r>
+            <a:endParaRPr sz="2600"/>
+          </a:p>
+        </p:txBody>
+      </p:sp>
     </p:spTree>
-    <p:extLst>
-      <p:ext uri="{BB962C8B-B14F-4D97-AF65-F5344CB8AC3E}">
-        <p14:creationId xmlns:p14="http://schemas.microsoft.com/office/powerpoint/2010/main" val="819824026"/>
-      </p:ext>
-    </p:extLst>
+  </p:cSld>
+  <p:clrMapOvr>
+    <a:masterClrMapping/>
+  </p:clrMapOvr>
+</p:sld>
+</file>
+
+<file path=ppt/slides/slide27.xml><?xml version="1.0" encoding="utf-8"?>
+<p:sld xmlns:a="http://schemas.openxmlformats.org/drawingml/2006/main" xmlns:r="http://schemas.openxmlformats.org/officeDocument/2006/relationships" xmlns:p="http://schemas.openxmlformats.org/presentationml/2006/main">
+  <p:cSld>
+    <p:spTree>
+      <p:nvGrpSpPr>
+        <p:cNvPr id="1" name="Shape 210"/>
+        <p:cNvGrpSpPr/>
+        <p:nvPr/>
+      </p:nvGrpSpPr>
+      <p:grpSpPr>
+        <a:xfrm>
+          <a:off x="0" y="0"/>
+          <a:ext cx="0" cy="0"/>
+          <a:chOff x="0" y="0"/>
+          <a:chExt cx="0" cy="0"/>
+        </a:xfrm>
+      </p:grpSpPr>
+      <p:sp>
+        <p:nvSpPr>
+          <p:cNvPr id="211" name="Google Shape;211;p39"/>
+          <p:cNvSpPr/>
+          <p:nvPr/>
+        </p:nvSpPr>
+        <p:spPr>
+          <a:xfrm>
+            <a:off x="280025" y="307350"/>
+            <a:ext cx="8434800" cy="826200"/>
+          </a:xfrm>
+          <a:prstGeom prst="roundRect">
+            <a:avLst>
+              <a:gd name="adj" fmla="val 16667"/>
+            </a:avLst>
+          </a:prstGeom>
+          <a:solidFill>
+            <a:schemeClr val="lt2"/>
+          </a:solidFill>
+          <a:ln w="9525" cap="flat" cmpd="sng">
+            <a:solidFill>
+              <a:schemeClr val="dk2"/>
+            </a:solidFill>
+            <a:prstDash val="solid"/>
+            <a:round/>
+            <a:headEnd type="none" w="sm" len="sm"/>
+            <a:tailEnd type="none" w="sm" len="sm"/>
+          </a:ln>
+        </p:spPr>
+        <p:txBody>
+          <a:bodyPr spcFirstLastPara="1" wrap="square" lIns="91425" tIns="91425" rIns="91425" bIns="91425" anchor="ctr" anchorCtr="0">
+            <a:noAutofit/>
+          </a:bodyPr>
+          <a:lstStyle/>
+          <a:p>
+            <a:pPr marL="0" lvl="0" indent="0" algn="l" rtl="0">
+              <a:spcBef>
+                <a:spcPts val="0"/>
+              </a:spcBef>
+              <a:spcAft>
+                <a:spcPts val="0"/>
+              </a:spcAft>
+              <a:buNone/>
+            </a:pPr>
+            <a:r>
+              <a:rPr lang="it" sz="3300"/>
+              <a:t>Anatomia da Arquitectura de Informação</a:t>
+            </a:r>
+            <a:endParaRPr sz="3300"/>
+          </a:p>
+        </p:txBody>
+      </p:sp>
+      <p:sp>
+        <p:nvSpPr>
+          <p:cNvPr id="212" name="Google Shape;212;p39"/>
+          <p:cNvSpPr txBox="1"/>
+          <p:nvPr/>
+        </p:nvSpPr>
+        <p:spPr>
+          <a:xfrm>
+            <a:off x="280025" y="1380550"/>
+            <a:ext cx="8434800" cy="3724800"/>
+          </a:xfrm>
+          <a:prstGeom prst="rect">
+            <a:avLst/>
+          </a:prstGeom>
+          <a:noFill/>
+          <a:ln>
+            <a:noFill/>
+          </a:ln>
+        </p:spPr>
+        <p:txBody>
+          <a:bodyPr spcFirstLastPara="1" wrap="square" lIns="91425" tIns="91425" rIns="91425" bIns="91425" anchor="t" anchorCtr="0">
+            <a:spAutoFit/>
+          </a:bodyPr>
+          <a:lstStyle/>
+          <a:p>
+            <a:pPr marL="0" lvl="0" indent="0" algn="l" rtl="0">
+              <a:spcBef>
+                <a:spcPts val="0"/>
+              </a:spcBef>
+              <a:spcAft>
+                <a:spcPts val="0"/>
+              </a:spcAft>
+              <a:buNone/>
+            </a:pPr>
+            <a:r>
+              <a:rPr lang="it" sz="2600"/>
+              <a:t>Abordagem Top-down:</a:t>
+            </a:r>
+            <a:endParaRPr sz="2600"/>
+          </a:p>
+          <a:p>
+            <a:pPr marL="457200" lvl="0" indent="-393700" algn="l" rtl="0">
+              <a:spcBef>
+                <a:spcPts val="0"/>
+              </a:spcBef>
+              <a:spcAft>
+                <a:spcPts val="0"/>
+              </a:spcAft>
+              <a:buSzPts val="2600"/>
+              <a:buChar char="-"/>
+            </a:pPr>
+            <a:r>
+              <a:rPr lang="it" sz="2600"/>
+              <a:t>dada a natureza / finalidade do site / plataforma, como antecipamos as perguntas / necessidades dos Utilizadores?</a:t>
+            </a:r>
+            <a:endParaRPr sz="2600"/>
+          </a:p>
+          <a:p>
+            <a:pPr marL="457200" lvl="0" indent="-393700" algn="l" rtl="0">
+              <a:spcBef>
+                <a:spcPts val="0"/>
+              </a:spcBef>
+              <a:spcAft>
+                <a:spcPts val="0"/>
+              </a:spcAft>
+              <a:buSzPts val="2600"/>
+              <a:buChar char="-"/>
+            </a:pPr>
+            <a:r>
+              <a:rPr lang="it" sz="2600"/>
+              <a:t>quais são?</a:t>
+            </a:r>
+            <a:endParaRPr sz="2600"/>
+          </a:p>
+          <a:p>
+            <a:pPr marL="0" lvl="0" indent="0" algn="l" rtl="0">
+              <a:spcBef>
+                <a:spcPts val="0"/>
+              </a:spcBef>
+              <a:spcAft>
+                <a:spcPts val="0"/>
+              </a:spcAft>
+              <a:buNone/>
+            </a:pPr>
+            <a:endParaRPr sz="2600"/>
+          </a:p>
+          <a:p>
+            <a:pPr marL="0" lvl="0" indent="0" algn="l" rtl="0">
+              <a:spcBef>
+                <a:spcPts val="0"/>
+              </a:spcBef>
+              <a:spcAft>
+                <a:spcPts val="0"/>
+              </a:spcAft>
+              <a:buNone/>
+            </a:pPr>
+            <a:endParaRPr sz="2600"/>
+          </a:p>
+          <a:p>
+            <a:pPr marL="0" lvl="0" indent="0" algn="l" rtl="0">
+              <a:spcBef>
+                <a:spcPts val="0"/>
+              </a:spcBef>
+              <a:spcAft>
+                <a:spcPts val="0"/>
+              </a:spcAft>
+              <a:buNone/>
+            </a:pPr>
+            <a:r>
+              <a:rPr lang="it" sz="2400" b="1" i="1"/>
+              <a:t>Nota</a:t>
+            </a:r>
+            <a:r>
+              <a:rPr lang="it" sz="2400" i="1"/>
+              <a:t>: estas perguntas/respostas dependem muito do tipo de plataforma em questão.</a:t>
+            </a:r>
+            <a:endParaRPr sz="2400" i="1"/>
+          </a:p>
+        </p:txBody>
+      </p:sp>
+    </p:spTree>
+  </p:cSld>
+  <p:clrMapOvr>
+    <a:masterClrMapping/>
+  </p:clrMapOvr>
+</p:sld>
+</file>
+
+<file path=ppt/slides/slide28.xml><?xml version="1.0" encoding="utf-8"?>
+<p:sld xmlns:a="http://schemas.openxmlformats.org/drawingml/2006/main" xmlns:r="http://schemas.openxmlformats.org/officeDocument/2006/relationships" xmlns:p="http://schemas.openxmlformats.org/presentationml/2006/main">
+  <p:cSld>
+    <p:spTree>
+      <p:nvGrpSpPr>
+        <p:cNvPr id="1" name="Shape 216"/>
+        <p:cNvGrpSpPr/>
+        <p:nvPr/>
+      </p:nvGrpSpPr>
+      <p:grpSpPr>
+        <a:xfrm>
+          <a:off x="0" y="0"/>
+          <a:ext cx="0" cy="0"/>
+          <a:chOff x="0" y="0"/>
+          <a:chExt cx="0" cy="0"/>
+        </a:xfrm>
+      </p:grpSpPr>
+      <p:sp>
+        <p:nvSpPr>
+          <p:cNvPr id="217" name="Google Shape;217;p40"/>
+          <p:cNvSpPr/>
+          <p:nvPr/>
+        </p:nvSpPr>
+        <p:spPr>
+          <a:xfrm>
+            <a:off x="280025" y="307350"/>
+            <a:ext cx="8434800" cy="826200"/>
+          </a:xfrm>
+          <a:prstGeom prst="roundRect">
+            <a:avLst>
+              <a:gd name="adj" fmla="val 16667"/>
+            </a:avLst>
+          </a:prstGeom>
+          <a:solidFill>
+            <a:schemeClr val="lt2"/>
+          </a:solidFill>
+          <a:ln w="9525" cap="flat" cmpd="sng">
+            <a:solidFill>
+              <a:schemeClr val="dk2"/>
+            </a:solidFill>
+            <a:prstDash val="solid"/>
+            <a:round/>
+            <a:headEnd type="none" w="sm" len="sm"/>
+            <a:tailEnd type="none" w="sm" len="sm"/>
+          </a:ln>
+        </p:spPr>
+        <p:txBody>
+          <a:bodyPr spcFirstLastPara="1" wrap="square" lIns="91425" tIns="91425" rIns="91425" bIns="91425" anchor="ctr" anchorCtr="0">
+            <a:noAutofit/>
+          </a:bodyPr>
+          <a:lstStyle/>
+          <a:p>
+            <a:pPr marL="0" lvl="0" indent="0" algn="l" rtl="0">
+              <a:spcBef>
+                <a:spcPts val="0"/>
+              </a:spcBef>
+              <a:spcAft>
+                <a:spcPts val="0"/>
+              </a:spcAft>
+              <a:buNone/>
+            </a:pPr>
+            <a:r>
+              <a:rPr lang="it" sz="3300"/>
+              <a:t>Anatomia da Arquitectura de Informação</a:t>
+            </a:r>
+            <a:endParaRPr sz="3300"/>
+          </a:p>
+        </p:txBody>
+      </p:sp>
+      <p:sp>
+        <p:nvSpPr>
+          <p:cNvPr id="218" name="Google Shape;218;p40"/>
+          <p:cNvSpPr txBox="1"/>
+          <p:nvPr/>
+        </p:nvSpPr>
+        <p:spPr>
+          <a:xfrm>
+            <a:off x="280025" y="1304350"/>
+            <a:ext cx="8434800" cy="554100"/>
+          </a:xfrm>
+          <a:prstGeom prst="rect">
+            <a:avLst/>
+          </a:prstGeom>
+          <a:noFill/>
+          <a:ln>
+            <a:noFill/>
+          </a:ln>
+        </p:spPr>
+        <p:txBody>
+          <a:bodyPr spcFirstLastPara="1" wrap="square" lIns="91425" tIns="91425" rIns="91425" bIns="91425" anchor="t" anchorCtr="0">
+            <a:spAutoFit/>
+          </a:bodyPr>
+          <a:lstStyle/>
+          <a:p>
+            <a:pPr marL="0" lvl="0" indent="0" algn="l" rtl="0">
+              <a:spcBef>
+                <a:spcPts val="0"/>
+              </a:spcBef>
+              <a:spcAft>
+                <a:spcPts val="0"/>
+              </a:spcAft>
+              <a:buNone/>
+            </a:pPr>
+            <a:endParaRPr sz="2400" i="1"/>
+          </a:p>
+        </p:txBody>
+      </p:sp>
+      <p:pic>
+        <p:nvPicPr>
+          <p:cNvPr id="219" name="Google Shape;219;p40"/>
+          <p:cNvPicPr preferRelativeResize="0"/>
+          <p:nvPr/>
+        </p:nvPicPr>
+        <p:blipFill>
+          <a:blip r:embed="rId3">
+            <a:alphaModFix/>
+          </a:blip>
+          <a:stretch>
+            <a:fillRect/>
+          </a:stretch>
+        </p:blipFill>
+        <p:spPr>
+          <a:xfrm>
+            <a:off x="2707726" y="1235550"/>
+            <a:ext cx="6007101" cy="3654800"/>
+          </a:xfrm>
+          <a:prstGeom prst="rect">
+            <a:avLst/>
+          </a:prstGeom>
+          <a:noFill/>
+          <a:ln>
+            <a:noFill/>
+          </a:ln>
+        </p:spPr>
+      </p:pic>
+      <p:pic>
+        <p:nvPicPr>
+          <p:cNvPr id="220" name="Google Shape;220;p40"/>
+          <p:cNvPicPr preferRelativeResize="0"/>
+          <p:nvPr/>
+        </p:nvPicPr>
+        <p:blipFill>
+          <a:blip r:embed="rId4">
+            <a:alphaModFix/>
+          </a:blip>
+          <a:stretch>
+            <a:fillRect/>
+          </a:stretch>
+        </p:blipFill>
+        <p:spPr>
+          <a:xfrm>
+            <a:off x="736625" y="2058275"/>
+            <a:ext cx="1694950" cy="2009350"/>
+          </a:xfrm>
+          <a:prstGeom prst="rect">
+            <a:avLst/>
+          </a:prstGeom>
+          <a:noFill/>
+          <a:ln>
+            <a:noFill/>
+          </a:ln>
+        </p:spPr>
+      </p:pic>
+      <p:sp>
+        <p:nvSpPr>
+          <p:cNvPr id="221" name="Google Shape;221;p40"/>
+          <p:cNvSpPr txBox="1"/>
+          <p:nvPr/>
+        </p:nvSpPr>
+        <p:spPr>
+          <a:xfrm>
+            <a:off x="61175" y="4774200"/>
+            <a:ext cx="6627900" cy="369300"/>
+          </a:xfrm>
+          <a:prstGeom prst="rect">
+            <a:avLst/>
+          </a:prstGeom>
+          <a:noFill/>
+          <a:ln>
+            <a:noFill/>
+          </a:ln>
+        </p:spPr>
+        <p:txBody>
+          <a:bodyPr spcFirstLastPara="1" wrap="square" lIns="91425" tIns="91425" rIns="91425" bIns="91425" anchor="t" anchorCtr="0">
+            <a:spAutoFit/>
+          </a:bodyPr>
+          <a:lstStyle/>
+          <a:p>
+            <a:pPr marL="0" lvl="0" indent="0" algn="l" rtl="0">
+              <a:spcBef>
+                <a:spcPts val="0"/>
+              </a:spcBef>
+              <a:spcAft>
+                <a:spcPts val="0"/>
+              </a:spcAft>
+              <a:buNone/>
+            </a:pPr>
+            <a:r>
+              <a:rPr lang="it" sz="1200" i="1"/>
+              <a:t>Information Architecture, from the web and Beyond, 4th ed., Part II, págs. 78 e seguintes.</a:t>
+            </a:r>
+            <a:endParaRPr sz="1200" i="1"/>
+          </a:p>
+        </p:txBody>
+      </p:sp>
+      <p:sp>
+        <p:nvSpPr>
+          <p:cNvPr id="222" name="Google Shape;222;p40"/>
+          <p:cNvSpPr/>
+          <p:nvPr/>
+        </p:nvSpPr>
+        <p:spPr>
+          <a:xfrm>
+            <a:off x="7030600" y="3992825"/>
+            <a:ext cx="1749000" cy="554100"/>
+          </a:xfrm>
+          <a:prstGeom prst="roundRect">
+            <a:avLst>
+              <a:gd name="adj" fmla="val 16667"/>
+            </a:avLst>
+          </a:prstGeom>
+          <a:solidFill>
+            <a:schemeClr val="lt2"/>
+          </a:solidFill>
+          <a:ln w="9525" cap="flat" cmpd="sng">
+            <a:solidFill>
+              <a:schemeClr val="dk2"/>
+            </a:solidFill>
+            <a:prstDash val="solid"/>
+            <a:round/>
+            <a:headEnd type="none" w="sm" len="sm"/>
+            <a:tailEnd type="none" w="sm" len="sm"/>
+          </a:ln>
+        </p:spPr>
+        <p:txBody>
+          <a:bodyPr spcFirstLastPara="1" wrap="square" lIns="91425" tIns="91425" rIns="91425" bIns="91425" anchor="ctr" anchorCtr="0">
+            <a:noAutofit/>
+          </a:bodyPr>
+          <a:lstStyle/>
+          <a:p>
+            <a:pPr marL="0" lvl="0" indent="0" algn="l" rtl="0">
+              <a:spcBef>
+                <a:spcPts val="0"/>
+              </a:spcBef>
+              <a:spcAft>
+                <a:spcPts val="0"/>
+              </a:spcAft>
+              <a:buNone/>
+            </a:pPr>
+            <a:r>
+              <a:rPr lang="it"/>
+              <a:t>TOP-DOWN</a:t>
+            </a:r>
+            <a:endParaRPr/>
+          </a:p>
+        </p:txBody>
+      </p:sp>
+    </p:spTree>
+  </p:cSld>
+  <p:clrMapOvr>
+    <a:masterClrMapping/>
+  </p:clrMapOvr>
+</p:sld>
+</file>
+
+<file path=ppt/slides/slide29.xml><?xml version="1.0" encoding="utf-8"?>
+<p:sld xmlns:a="http://schemas.openxmlformats.org/drawingml/2006/main" xmlns:r="http://schemas.openxmlformats.org/officeDocument/2006/relationships" xmlns:p="http://schemas.openxmlformats.org/presentationml/2006/main">
+  <p:cSld>
+    <p:spTree>
+      <p:nvGrpSpPr>
+        <p:cNvPr id="1" name="Shape 226"/>
+        <p:cNvGrpSpPr/>
+        <p:nvPr/>
+      </p:nvGrpSpPr>
+      <p:grpSpPr>
+        <a:xfrm>
+          <a:off x="0" y="0"/>
+          <a:ext cx="0" cy="0"/>
+          <a:chOff x="0" y="0"/>
+          <a:chExt cx="0" cy="0"/>
+        </a:xfrm>
+      </p:grpSpPr>
+      <p:sp>
+        <p:nvSpPr>
+          <p:cNvPr id="227" name="Google Shape;227;p41"/>
+          <p:cNvSpPr txBox="1"/>
+          <p:nvPr/>
+        </p:nvSpPr>
+        <p:spPr>
+          <a:xfrm>
+            <a:off x="280025" y="1380550"/>
+            <a:ext cx="8434800" cy="554100"/>
+          </a:xfrm>
+          <a:prstGeom prst="rect">
+            <a:avLst/>
+          </a:prstGeom>
+          <a:noFill/>
+          <a:ln>
+            <a:noFill/>
+          </a:ln>
+        </p:spPr>
+        <p:txBody>
+          <a:bodyPr spcFirstLastPara="1" wrap="square" lIns="91425" tIns="91425" rIns="91425" bIns="91425" anchor="t" anchorCtr="0">
+            <a:spAutoFit/>
+          </a:bodyPr>
+          <a:lstStyle/>
+          <a:p>
+            <a:pPr marL="0" lvl="0" indent="0" algn="l" rtl="0">
+              <a:spcBef>
+                <a:spcPts val="0"/>
+              </a:spcBef>
+              <a:spcAft>
+                <a:spcPts val="0"/>
+              </a:spcAft>
+              <a:buNone/>
+            </a:pPr>
+            <a:endParaRPr sz="2400" i="1"/>
+          </a:p>
+        </p:txBody>
+      </p:sp>
+      <p:pic>
+        <p:nvPicPr>
+          <p:cNvPr id="228" name="Google Shape;228;p41"/>
+          <p:cNvPicPr preferRelativeResize="0"/>
+          <p:nvPr/>
+        </p:nvPicPr>
+        <p:blipFill>
+          <a:blip r:embed="rId3">
+            <a:alphaModFix/>
+          </a:blip>
+          <a:stretch>
+            <a:fillRect/>
+          </a:stretch>
+        </p:blipFill>
+        <p:spPr>
+          <a:xfrm>
+            <a:off x="4571999" y="1162175"/>
+            <a:ext cx="4387775" cy="2669575"/>
+          </a:xfrm>
+          <a:prstGeom prst="rect">
+            <a:avLst/>
+          </a:prstGeom>
+          <a:noFill/>
+          <a:ln>
+            <a:noFill/>
+          </a:ln>
+        </p:spPr>
+      </p:pic>
+      <p:pic>
+        <p:nvPicPr>
+          <p:cNvPr id="229" name="Google Shape;229;p41"/>
+          <p:cNvPicPr preferRelativeResize="0"/>
+          <p:nvPr/>
+        </p:nvPicPr>
+        <p:blipFill>
+          <a:blip r:embed="rId4">
+            <a:alphaModFix/>
+          </a:blip>
+          <a:stretch>
+            <a:fillRect/>
+          </a:stretch>
+        </p:blipFill>
+        <p:spPr>
+          <a:xfrm>
+            <a:off x="379725" y="51502"/>
+            <a:ext cx="4192275" cy="4969923"/>
+          </a:xfrm>
+          <a:prstGeom prst="rect">
+            <a:avLst/>
+          </a:prstGeom>
+          <a:noFill/>
+          <a:ln>
+            <a:noFill/>
+          </a:ln>
+        </p:spPr>
+      </p:pic>
+    </p:spTree>
   </p:cSld>
   <p:clrMapOvr>
     <a:masterClrMapping/>
@@ -10764,6 +13460,1518 @@
           <a:xfrm>
             <a:off x="152400" y="152400"/>
             <a:ext cx="6667500" cy="2686050"/>
+          </a:xfrm>
+          <a:prstGeom prst="rect">
+            <a:avLst/>
+          </a:prstGeom>
+          <a:noFill/>
+          <a:ln>
+            <a:noFill/>
+          </a:ln>
+        </p:spPr>
+      </p:pic>
+    </p:spTree>
+  </p:cSld>
+  <p:clrMapOvr>
+    <a:masterClrMapping/>
+  </p:clrMapOvr>
+</p:sld>
+</file>
+
+<file path=ppt/slides/slide30.xml><?xml version="1.0" encoding="utf-8"?>
+<p:sld xmlns:a="http://schemas.openxmlformats.org/drawingml/2006/main" xmlns:r="http://schemas.openxmlformats.org/officeDocument/2006/relationships" xmlns:p="http://schemas.openxmlformats.org/presentationml/2006/main">
+  <p:cSld>
+    <p:spTree>
+      <p:nvGrpSpPr>
+        <p:cNvPr id="1" name="Shape 233"/>
+        <p:cNvGrpSpPr/>
+        <p:nvPr/>
+      </p:nvGrpSpPr>
+      <p:grpSpPr>
+        <a:xfrm>
+          <a:off x="0" y="0"/>
+          <a:ext cx="0" cy="0"/>
+          <a:chOff x="0" y="0"/>
+          <a:chExt cx="0" cy="0"/>
+        </a:xfrm>
+      </p:grpSpPr>
+      <p:sp>
+        <p:nvSpPr>
+          <p:cNvPr id="234" name="Google Shape;234;p42"/>
+          <p:cNvSpPr/>
+          <p:nvPr/>
+        </p:nvSpPr>
+        <p:spPr>
+          <a:xfrm>
+            <a:off x="280025" y="307350"/>
+            <a:ext cx="8434800" cy="826200"/>
+          </a:xfrm>
+          <a:prstGeom prst="roundRect">
+            <a:avLst>
+              <a:gd name="adj" fmla="val 16667"/>
+            </a:avLst>
+          </a:prstGeom>
+          <a:solidFill>
+            <a:schemeClr val="lt2"/>
+          </a:solidFill>
+          <a:ln w="9525" cap="flat" cmpd="sng">
+            <a:solidFill>
+              <a:schemeClr val="dk2"/>
+            </a:solidFill>
+            <a:prstDash val="solid"/>
+            <a:round/>
+            <a:headEnd type="none" w="sm" len="sm"/>
+            <a:tailEnd type="none" w="sm" len="sm"/>
+          </a:ln>
+        </p:spPr>
+        <p:txBody>
+          <a:bodyPr spcFirstLastPara="1" wrap="square" lIns="91425" tIns="91425" rIns="91425" bIns="91425" anchor="ctr" anchorCtr="0">
+            <a:noAutofit/>
+          </a:bodyPr>
+          <a:lstStyle/>
+          <a:p>
+            <a:pPr marL="0" lvl="0" indent="0" algn="l" rtl="0">
+              <a:spcBef>
+                <a:spcPts val="0"/>
+              </a:spcBef>
+              <a:spcAft>
+                <a:spcPts val="0"/>
+              </a:spcAft>
+              <a:buNone/>
+            </a:pPr>
+            <a:r>
+              <a:rPr lang="it" sz="3300"/>
+              <a:t>Anatomia da Arquitectura de Informação</a:t>
+            </a:r>
+            <a:endParaRPr sz="3300"/>
+          </a:p>
+        </p:txBody>
+      </p:sp>
+      <p:pic>
+        <p:nvPicPr>
+          <p:cNvPr id="235" name="Google Shape;235;p42"/>
+          <p:cNvPicPr preferRelativeResize="0"/>
+          <p:nvPr/>
+        </p:nvPicPr>
+        <p:blipFill>
+          <a:blip r:embed="rId3">
+            <a:alphaModFix/>
+          </a:blip>
+          <a:stretch>
+            <a:fillRect/>
+          </a:stretch>
+        </p:blipFill>
+        <p:spPr>
+          <a:xfrm>
+            <a:off x="198425" y="1285950"/>
+            <a:ext cx="7733875" cy="3075100"/>
+          </a:xfrm>
+          <a:prstGeom prst="rect">
+            <a:avLst/>
+          </a:prstGeom>
+          <a:noFill/>
+          <a:ln>
+            <a:noFill/>
+          </a:ln>
+        </p:spPr>
+      </p:pic>
+    </p:spTree>
+  </p:cSld>
+  <p:clrMapOvr>
+    <a:masterClrMapping/>
+  </p:clrMapOvr>
+</p:sld>
+</file>
+
+<file path=ppt/slides/slide31.xml><?xml version="1.0" encoding="utf-8"?>
+<p:sld xmlns:a="http://schemas.openxmlformats.org/drawingml/2006/main" xmlns:r="http://schemas.openxmlformats.org/officeDocument/2006/relationships" xmlns:p="http://schemas.openxmlformats.org/presentationml/2006/main">
+  <p:cSld>
+    <p:spTree>
+      <p:nvGrpSpPr>
+        <p:cNvPr id="1" name="Shape 239"/>
+        <p:cNvGrpSpPr/>
+        <p:nvPr/>
+      </p:nvGrpSpPr>
+      <p:grpSpPr>
+        <a:xfrm>
+          <a:off x="0" y="0"/>
+          <a:ext cx="0" cy="0"/>
+          <a:chOff x="0" y="0"/>
+          <a:chExt cx="0" cy="0"/>
+        </a:xfrm>
+      </p:grpSpPr>
+      <p:sp>
+        <p:nvSpPr>
+          <p:cNvPr id="240" name="Google Shape;240;p43"/>
+          <p:cNvSpPr/>
+          <p:nvPr/>
+        </p:nvSpPr>
+        <p:spPr>
+          <a:xfrm>
+            <a:off x="280025" y="307350"/>
+            <a:ext cx="8434800" cy="826200"/>
+          </a:xfrm>
+          <a:prstGeom prst="roundRect">
+            <a:avLst>
+              <a:gd name="adj" fmla="val 16667"/>
+            </a:avLst>
+          </a:prstGeom>
+          <a:solidFill>
+            <a:schemeClr val="lt2"/>
+          </a:solidFill>
+          <a:ln w="9525" cap="flat" cmpd="sng">
+            <a:solidFill>
+              <a:schemeClr val="dk2"/>
+            </a:solidFill>
+            <a:prstDash val="solid"/>
+            <a:round/>
+            <a:headEnd type="none" w="sm" len="sm"/>
+            <a:tailEnd type="none" w="sm" len="sm"/>
+          </a:ln>
+        </p:spPr>
+        <p:txBody>
+          <a:bodyPr spcFirstLastPara="1" wrap="square" lIns="91425" tIns="91425" rIns="91425" bIns="91425" anchor="ctr" anchorCtr="0">
+            <a:noAutofit/>
+          </a:bodyPr>
+          <a:lstStyle/>
+          <a:p>
+            <a:pPr marL="0" lvl="0" indent="0" algn="l" rtl="0">
+              <a:spcBef>
+                <a:spcPts val="0"/>
+              </a:spcBef>
+              <a:spcAft>
+                <a:spcPts val="0"/>
+              </a:spcAft>
+              <a:buNone/>
+            </a:pPr>
+            <a:r>
+              <a:rPr lang="it" sz="3300"/>
+              <a:t>Anatomia da Arquitectura de Informação</a:t>
+            </a:r>
+            <a:endParaRPr sz="3300"/>
+          </a:p>
+        </p:txBody>
+      </p:sp>
+      <p:pic>
+        <p:nvPicPr>
+          <p:cNvPr id="241" name="Google Shape;241;p43"/>
+          <p:cNvPicPr preferRelativeResize="0"/>
+          <p:nvPr/>
+        </p:nvPicPr>
+        <p:blipFill>
+          <a:blip r:embed="rId3">
+            <a:alphaModFix/>
+          </a:blip>
+          <a:stretch>
+            <a:fillRect/>
+          </a:stretch>
+        </p:blipFill>
+        <p:spPr>
+          <a:xfrm>
+            <a:off x="382525" y="1315350"/>
+            <a:ext cx="7522575" cy="2360325"/>
+          </a:xfrm>
+          <a:prstGeom prst="rect">
+            <a:avLst/>
+          </a:prstGeom>
+          <a:noFill/>
+          <a:ln>
+            <a:noFill/>
+          </a:ln>
+        </p:spPr>
+      </p:pic>
+    </p:spTree>
+  </p:cSld>
+  <p:clrMapOvr>
+    <a:masterClrMapping/>
+  </p:clrMapOvr>
+</p:sld>
+</file>
+
+<file path=ppt/slides/slide32.xml><?xml version="1.0" encoding="utf-8"?>
+<p:sld xmlns:a="http://schemas.openxmlformats.org/drawingml/2006/main" xmlns:r="http://schemas.openxmlformats.org/officeDocument/2006/relationships" xmlns:p="http://schemas.openxmlformats.org/presentationml/2006/main">
+  <p:cSld>
+    <p:spTree>
+      <p:nvGrpSpPr>
+        <p:cNvPr id="1" name="Shape 245"/>
+        <p:cNvGrpSpPr/>
+        <p:nvPr/>
+      </p:nvGrpSpPr>
+      <p:grpSpPr>
+        <a:xfrm>
+          <a:off x="0" y="0"/>
+          <a:ext cx="0" cy="0"/>
+          <a:chOff x="0" y="0"/>
+          <a:chExt cx="0" cy="0"/>
+        </a:xfrm>
+      </p:grpSpPr>
+      <p:sp>
+        <p:nvSpPr>
+          <p:cNvPr id="246" name="Google Shape;246;p44"/>
+          <p:cNvSpPr/>
+          <p:nvPr/>
+        </p:nvSpPr>
+        <p:spPr>
+          <a:xfrm>
+            <a:off x="3697275" y="249825"/>
+            <a:ext cx="5301000" cy="1073400"/>
+          </a:xfrm>
+          <a:prstGeom prst="roundRect">
+            <a:avLst>
+              <a:gd name="adj" fmla="val 16667"/>
+            </a:avLst>
+          </a:prstGeom>
+          <a:solidFill>
+            <a:schemeClr val="lt2"/>
+          </a:solidFill>
+          <a:ln w="9525" cap="flat" cmpd="sng">
+            <a:solidFill>
+              <a:schemeClr val="dk2"/>
+            </a:solidFill>
+            <a:prstDash val="solid"/>
+            <a:round/>
+            <a:headEnd type="none" w="sm" len="sm"/>
+            <a:tailEnd type="none" w="sm" len="sm"/>
+          </a:ln>
+        </p:spPr>
+        <p:txBody>
+          <a:bodyPr spcFirstLastPara="1" wrap="square" lIns="91425" tIns="91425" rIns="91425" bIns="91425" anchor="ctr" anchorCtr="0">
+            <a:noAutofit/>
+          </a:bodyPr>
+          <a:lstStyle/>
+          <a:p>
+            <a:pPr marL="0" lvl="0" indent="0" algn="l" rtl="0">
+              <a:spcBef>
+                <a:spcPts val="0"/>
+              </a:spcBef>
+              <a:spcAft>
+                <a:spcPts val="0"/>
+              </a:spcAft>
+              <a:buNone/>
+            </a:pPr>
+            <a:r>
+              <a:rPr lang="it" sz="3300"/>
+              <a:t>Anatomia da Arquitectura de Informação</a:t>
+            </a:r>
+            <a:endParaRPr sz="3300"/>
+          </a:p>
+        </p:txBody>
+      </p:sp>
+      <p:pic>
+        <p:nvPicPr>
+          <p:cNvPr id="247" name="Google Shape;247;p44"/>
+          <p:cNvPicPr preferRelativeResize="0"/>
+          <p:nvPr/>
+        </p:nvPicPr>
+        <p:blipFill>
+          <a:blip r:embed="rId3">
+            <a:alphaModFix/>
+          </a:blip>
+          <a:stretch>
+            <a:fillRect/>
+          </a:stretch>
+        </p:blipFill>
+        <p:spPr>
+          <a:xfrm>
+            <a:off x="152400" y="146800"/>
+            <a:ext cx="2735775" cy="4802325"/>
+          </a:xfrm>
+          <a:prstGeom prst="rect">
+            <a:avLst/>
+          </a:prstGeom>
+          <a:noFill/>
+          <a:ln>
+            <a:noFill/>
+          </a:ln>
+        </p:spPr>
+      </p:pic>
+      <p:pic>
+        <p:nvPicPr>
+          <p:cNvPr id="248" name="Google Shape;248;p44"/>
+          <p:cNvPicPr preferRelativeResize="0"/>
+          <p:nvPr/>
+        </p:nvPicPr>
+        <p:blipFill>
+          <a:blip r:embed="rId4">
+            <a:alphaModFix/>
+          </a:blip>
+          <a:stretch>
+            <a:fillRect/>
+          </a:stretch>
+        </p:blipFill>
+        <p:spPr>
+          <a:xfrm>
+            <a:off x="4012490" y="1739275"/>
+            <a:ext cx="2913760" cy="1165500"/>
+          </a:xfrm>
+          <a:prstGeom prst="rect">
+            <a:avLst/>
+          </a:prstGeom>
+          <a:noFill/>
+          <a:ln>
+            <a:noFill/>
+          </a:ln>
+        </p:spPr>
+      </p:pic>
+      <p:pic>
+        <p:nvPicPr>
+          <p:cNvPr id="249" name="Google Shape;249;p44"/>
+          <p:cNvPicPr preferRelativeResize="0"/>
+          <p:nvPr/>
+        </p:nvPicPr>
+        <p:blipFill>
+          <a:blip r:embed="rId5">
+            <a:alphaModFix/>
+          </a:blip>
+          <a:stretch>
+            <a:fillRect/>
+          </a:stretch>
+        </p:blipFill>
+        <p:spPr>
+          <a:xfrm>
+            <a:off x="5469850" y="3672525"/>
+            <a:ext cx="3333750" cy="1123950"/>
+          </a:xfrm>
+          <a:prstGeom prst="rect">
+            <a:avLst/>
+          </a:prstGeom>
+          <a:noFill/>
+          <a:ln w="19050" cap="flat" cmpd="sng">
+            <a:solidFill>
+              <a:schemeClr val="dk2"/>
+            </a:solidFill>
+            <a:prstDash val="solid"/>
+            <a:round/>
+            <a:headEnd type="none" w="sm" len="sm"/>
+            <a:tailEnd type="none" w="sm" len="sm"/>
+          </a:ln>
+        </p:spPr>
+      </p:pic>
+      <p:sp>
+        <p:nvSpPr>
+          <p:cNvPr id="250" name="Google Shape;250;p44"/>
+          <p:cNvSpPr/>
+          <p:nvPr/>
+        </p:nvSpPr>
+        <p:spPr>
+          <a:xfrm>
+            <a:off x="3101050" y="3672525"/>
+            <a:ext cx="2368800" cy="966300"/>
+          </a:xfrm>
+          <a:prstGeom prst="rightArrow">
+            <a:avLst>
+              <a:gd name="adj1" fmla="val 50000"/>
+              <a:gd name="adj2" fmla="val 50000"/>
+            </a:avLst>
+          </a:prstGeom>
+          <a:solidFill>
+            <a:schemeClr val="lt2"/>
+          </a:solidFill>
+          <a:ln w="9525" cap="flat" cmpd="sng">
+            <a:solidFill>
+              <a:schemeClr val="dk2"/>
+            </a:solidFill>
+            <a:prstDash val="solid"/>
+            <a:round/>
+            <a:headEnd type="none" w="sm" len="sm"/>
+            <a:tailEnd type="none" w="sm" len="sm"/>
+          </a:ln>
+        </p:spPr>
+        <p:txBody>
+          <a:bodyPr spcFirstLastPara="1" wrap="square" lIns="91425" tIns="91425" rIns="91425" bIns="91425" anchor="ctr" anchorCtr="0">
+            <a:noAutofit/>
+          </a:bodyPr>
+          <a:lstStyle/>
+          <a:p>
+            <a:pPr marL="0" lvl="0" indent="0" algn="ctr" rtl="0">
+              <a:spcBef>
+                <a:spcPts val="0"/>
+              </a:spcBef>
+              <a:spcAft>
+                <a:spcPts val="0"/>
+              </a:spcAft>
+              <a:buNone/>
+            </a:pPr>
+            <a:r>
+              <a:rPr lang="it"/>
+              <a:t>Em Nov. 2023, mecanismos de partillha</a:t>
+            </a:r>
+            <a:endParaRPr/>
+          </a:p>
+        </p:txBody>
+      </p:sp>
+    </p:spTree>
+  </p:cSld>
+  <p:clrMapOvr>
+    <a:masterClrMapping/>
+  </p:clrMapOvr>
+</p:sld>
+</file>
+
+<file path=ppt/slides/slide33.xml><?xml version="1.0" encoding="utf-8"?>
+<p:sld xmlns:a="http://schemas.openxmlformats.org/drawingml/2006/main" xmlns:r="http://schemas.openxmlformats.org/officeDocument/2006/relationships" xmlns:p="http://schemas.openxmlformats.org/presentationml/2006/main">
+  <p:cSld>
+    <p:spTree>
+      <p:nvGrpSpPr>
+        <p:cNvPr id="1" name="Shape 254"/>
+        <p:cNvGrpSpPr/>
+        <p:nvPr/>
+      </p:nvGrpSpPr>
+      <p:grpSpPr>
+        <a:xfrm>
+          <a:off x="0" y="0"/>
+          <a:ext cx="0" cy="0"/>
+          <a:chOff x="0" y="0"/>
+          <a:chExt cx="0" cy="0"/>
+        </a:xfrm>
+      </p:grpSpPr>
+      <p:pic>
+        <p:nvPicPr>
+          <p:cNvPr id="255" name="Google Shape;255;p45"/>
+          <p:cNvPicPr preferRelativeResize="0"/>
+          <p:nvPr/>
+        </p:nvPicPr>
+        <p:blipFill>
+          <a:blip r:embed="rId3">
+            <a:alphaModFix/>
+          </a:blip>
+          <a:stretch>
+            <a:fillRect/>
+          </a:stretch>
+        </p:blipFill>
+        <p:spPr>
+          <a:xfrm>
+            <a:off x="351200" y="1320150"/>
+            <a:ext cx="3289225" cy="1251600"/>
+          </a:xfrm>
+          <a:prstGeom prst="rect">
+            <a:avLst/>
+          </a:prstGeom>
+          <a:noFill/>
+          <a:ln w="19050" cap="flat" cmpd="sng">
+            <a:solidFill>
+              <a:schemeClr val="dk2"/>
+            </a:solidFill>
+            <a:prstDash val="solid"/>
+            <a:round/>
+            <a:headEnd type="none" w="sm" len="sm"/>
+            <a:tailEnd type="none" w="sm" len="sm"/>
+          </a:ln>
+        </p:spPr>
+      </p:pic>
+      <p:pic>
+        <p:nvPicPr>
+          <p:cNvPr id="256" name="Google Shape;256;p45"/>
+          <p:cNvPicPr preferRelativeResize="0"/>
+          <p:nvPr/>
+        </p:nvPicPr>
+        <p:blipFill>
+          <a:blip r:embed="rId4">
+            <a:alphaModFix/>
+          </a:blip>
+          <a:stretch>
+            <a:fillRect/>
+          </a:stretch>
+        </p:blipFill>
+        <p:spPr>
+          <a:xfrm>
+            <a:off x="4489875" y="2394150"/>
+            <a:ext cx="3289225" cy="2302924"/>
+          </a:xfrm>
+          <a:prstGeom prst="rect">
+            <a:avLst/>
+          </a:prstGeom>
+          <a:noFill/>
+          <a:ln w="19050" cap="flat" cmpd="sng">
+            <a:solidFill>
+              <a:schemeClr val="dk2"/>
+            </a:solidFill>
+            <a:prstDash val="solid"/>
+            <a:round/>
+            <a:headEnd type="none" w="sm" len="sm"/>
+            <a:tailEnd type="none" w="sm" len="sm"/>
+          </a:ln>
+        </p:spPr>
+      </p:pic>
+      <p:sp>
+        <p:nvSpPr>
+          <p:cNvPr id="257" name="Google Shape;257;p45"/>
+          <p:cNvSpPr/>
+          <p:nvPr/>
+        </p:nvSpPr>
+        <p:spPr>
+          <a:xfrm>
+            <a:off x="280025" y="307350"/>
+            <a:ext cx="8434800" cy="826200"/>
+          </a:xfrm>
+          <a:prstGeom prst="roundRect">
+            <a:avLst>
+              <a:gd name="adj" fmla="val 16667"/>
+            </a:avLst>
+          </a:prstGeom>
+          <a:solidFill>
+            <a:schemeClr val="lt2"/>
+          </a:solidFill>
+          <a:ln w="9525" cap="flat" cmpd="sng">
+            <a:solidFill>
+              <a:schemeClr val="dk2"/>
+            </a:solidFill>
+            <a:prstDash val="solid"/>
+            <a:round/>
+            <a:headEnd type="none" w="sm" len="sm"/>
+            <a:tailEnd type="none" w="sm" len="sm"/>
+          </a:ln>
+        </p:spPr>
+        <p:txBody>
+          <a:bodyPr spcFirstLastPara="1" wrap="square" lIns="91425" tIns="91425" rIns="91425" bIns="91425" anchor="ctr" anchorCtr="0">
+            <a:noAutofit/>
+          </a:bodyPr>
+          <a:lstStyle/>
+          <a:p>
+            <a:pPr marL="0" lvl="0" indent="0" algn="l" rtl="0">
+              <a:spcBef>
+                <a:spcPts val="0"/>
+              </a:spcBef>
+              <a:spcAft>
+                <a:spcPts val="0"/>
+              </a:spcAft>
+              <a:buNone/>
+            </a:pPr>
+            <a:r>
+              <a:rPr lang="it" sz="3300"/>
+              <a:t>Autenticação por “Open Authorization”</a:t>
+            </a:r>
+            <a:endParaRPr sz="3300"/>
+          </a:p>
+        </p:txBody>
+      </p:sp>
+      <p:pic>
+        <p:nvPicPr>
+          <p:cNvPr id="258" name="Google Shape;258;p45"/>
+          <p:cNvPicPr preferRelativeResize="0"/>
+          <p:nvPr/>
+        </p:nvPicPr>
+        <p:blipFill>
+          <a:blip r:embed="rId5">
+            <a:alphaModFix/>
+          </a:blip>
+          <a:stretch>
+            <a:fillRect/>
+          </a:stretch>
+        </p:blipFill>
+        <p:spPr>
+          <a:xfrm>
+            <a:off x="351200" y="2797975"/>
+            <a:ext cx="3693549" cy="1899112"/>
+          </a:xfrm>
+          <a:prstGeom prst="rect">
+            <a:avLst/>
+          </a:prstGeom>
+          <a:noFill/>
+          <a:ln w="19050" cap="flat" cmpd="sng">
+            <a:solidFill>
+              <a:schemeClr val="dk2"/>
+            </a:solidFill>
+            <a:prstDash val="solid"/>
+            <a:round/>
+            <a:headEnd type="none" w="sm" len="sm"/>
+            <a:tailEnd type="none" w="sm" len="sm"/>
+          </a:ln>
+        </p:spPr>
+      </p:pic>
+    </p:spTree>
+  </p:cSld>
+  <p:clrMapOvr>
+    <a:masterClrMapping/>
+  </p:clrMapOvr>
+</p:sld>
+</file>
+
+<file path=ppt/slides/slide34.xml><?xml version="1.0" encoding="utf-8"?>
+<p:sld xmlns:a="http://schemas.openxmlformats.org/drawingml/2006/main" xmlns:r="http://schemas.openxmlformats.org/officeDocument/2006/relationships" xmlns:p="http://schemas.openxmlformats.org/presentationml/2006/main">
+  <p:cSld>
+    <p:spTree>
+      <p:nvGrpSpPr>
+        <p:cNvPr id="1" name="Shape 262"/>
+        <p:cNvGrpSpPr/>
+        <p:nvPr/>
+      </p:nvGrpSpPr>
+      <p:grpSpPr>
+        <a:xfrm>
+          <a:off x="0" y="0"/>
+          <a:ext cx="0" cy="0"/>
+          <a:chOff x="0" y="0"/>
+          <a:chExt cx="0" cy="0"/>
+        </a:xfrm>
+      </p:grpSpPr>
+      <p:pic>
+        <p:nvPicPr>
+          <p:cNvPr id="263" name="Google Shape;263;p46"/>
+          <p:cNvPicPr preferRelativeResize="0"/>
+          <p:nvPr/>
+        </p:nvPicPr>
+        <p:blipFill>
+          <a:blip r:embed="rId3">
+            <a:alphaModFix/>
+          </a:blip>
+          <a:stretch>
+            <a:fillRect/>
+          </a:stretch>
+        </p:blipFill>
+        <p:spPr>
+          <a:xfrm>
+            <a:off x="442275" y="2162512"/>
+            <a:ext cx="2984394" cy="2787187"/>
+          </a:xfrm>
+          <a:prstGeom prst="rect">
+            <a:avLst/>
+          </a:prstGeom>
+          <a:noFill/>
+          <a:ln w="19050" cap="flat" cmpd="sng">
+            <a:solidFill>
+              <a:schemeClr val="dk2"/>
+            </a:solidFill>
+            <a:prstDash val="solid"/>
+            <a:round/>
+            <a:headEnd type="none" w="sm" len="sm"/>
+            <a:tailEnd type="none" w="sm" len="sm"/>
+          </a:ln>
+        </p:spPr>
+      </p:pic>
+      <p:sp>
+        <p:nvSpPr>
+          <p:cNvPr id="264" name="Google Shape;264;p46"/>
+          <p:cNvSpPr txBox="1"/>
+          <p:nvPr/>
+        </p:nvSpPr>
+        <p:spPr>
+          <a:xfrm rot="-5400000">
+            <a:off x="-649800" y="3899700"/>
+            <a:ext cx="1699800" cy="400200"/>
+          </a:xfrm>
+          <a:prstGeom prst="rect">
+            <a:avLst/>
+          </a:prstGeom>
+          <a:noFill/>
+          <a:ln>
+            <a:noFill/>
+          </a:ln>
+        </p:spPr>
+        <p:txBody>
+          <a:bodyPr spcFirstLastPara="1" wrap="square" lIns="91425" tIns="91425" rIns="91425" bIns="91425" anchor="t" anchorCtr="0">
+            <a:spAutoFit/>
+          </a:bodyPr>
+          <a:lstStyle/>
+          <a:p>
+            <a:pPr marL="0" lvl="0" indent="0" algn="l" rtl="0">
+              <a:spcBef>
+                <a:spcPts val="0"/>
+              </a:spcBef>
+              <a:spcAft>
+                <a:spcPts val="0"/>
+              </a:spcAft>
+              <a:buNone/>
+            </a:pPr>
+            <a:r>
+              <a:rPr lang="it"/>
+              <a:t>https://kagi.com/</a:t>
+            </a:r>
+            <a:endParaRPr/>
+          </a:p>
+        </p:txBody>
+      </p:sp>
+      <p:pic>
+        <p:nvPicPr>
+          <p:cNvPr id="265" name="Google Shape;265;p46"/>
+          <p:cNvPicPr preferRelativeResize="0"/>
+          <p:nvPr/>
+        </p:nvPicPr>
+        <p:blipFill>
+          <a:blip r:embed="rId4">
+            <a:alphaModFix/>
+          </a:blip>
+          <a:stretch>
+            <a:fillRect/>
+          </a:stretch>
+        </p:blipFill>
+        <p:spPr>
+          <a:xfrm>
+            <a:off x="6294808" y="1405725"/>
+            <a:ext cx="2524989" cy="3543975"/>
+          </a:xfrm>
+          <a:prstGeom prst="rect">
+            <a:avLst/>
+          </a:prstGeom>
+          <a:noFill/>
+          <a:ln w="19050" cap="flat" cmpd="sng">
+            <a:solidFill>
+              <a:schemeClr val="dk2"/>
+            </a:solidFill>
+            <a:prstDash val="solid"/>
+            <a:round/>
+            <a:headEnd type="none" w="sm" len="sm"/>
+            <a:tailEnd type="none" w="sm" len="sm"/>
+          </a:ln>
+        </p:spPr>
+      </p:pic>
+      <p:sp>
+        <p:nvSpPr>
+          <p:cNvPr id="266" name="Google Shape;266;p46"/>
+          <p:cNvSpPr txBox="1"/>
+          <p:nvPr/>
+        </p:nvSpPr>
+        <p:spPr>
+          <a:xfrm>
+            <a:off x="6294800" y="1060175"/>
+            <a:ext cx="2292300" cy="400200"/>
+          </a:xfrm>
+          <a:prstGeom prst="rect">
+            <a:avLst/>
+          </a:prstGeom>
+          <a:noFill/>
+          <a:ln>
+            <a:noFill/>
+          </a:ln>
+        </p:spPr>
+        <p:txBody>
+          <a:bodyPr spcFirstLastPara="1" wrap="square" lIns="91425" tIns="91425" rIns="91425" bIns="91425" anchor="t" anchorCtr="0">
+            <a:spAutoFit/>
+          </a:bodyPr>
+          <a:lstStyle/>
+          <a:p>
+            <a:pPr marL="0" lvl="0" indent="0" algn="l" rtl="0">
+              <a:spcBef>
+                <a:spcPts val="0"/>
+              </a:spcBef>
+              <a:spcAft>
+                <a:spcPts val="0"/>
+              </a:spcAft>
+              <a:buNone/>
+            </a:pPr>
+            <a:r>
+              <a:rPr lang="it"/>
+              <a:t>https://auth0.openai.com/</a:t>
+            </a:r>
+            <a:endParaRPr/>
+          </a:p>
+        </p:txBody>
+      </p:sp>
+    </p:spTree>
+  </p:cSld>
+  <p:clrMapOvr>
+    <a:masterClrMapping/>
+  </p:clrMapOvr>
+</p:sld>
+</file>
+
+<file path=ppt/slides/slide35.xml><?xml version="1.0" encoding="utf-8"?>
+<p:sld xmlns:a="http://schemas.openxmlformats.org/drawingml/2006/main" xmlns:r="http://schemas.openxmlformats.org/officeDocument/2006/relationships" xmlns:p="http://schemas.openxmlformats.org/presentationml/2006/main">
+  <p:cSld>
+    <p:spTree>
+      <p:nvGrpSpPr>
+        <p:cNvPr id="1" name="Shape 270"/>
+        <p:cNvGrpSpPr/>
+        <p:nvPr/>
+      </p:nvGrpSpPr>
+      <p:grpSpPr>
+        <a:xfrm>
+          <a:off x="0" y="0"/>
+          <a:ext cx="0" cy="0"/>
+          <a:chOff x="0" y="0"/>
+          <a:chExt cx="0" cy="0"/>
+        </a:xfrm>
+      </p:grpSpPr>
+      <p:pic>
+        <p:nvPicPr>
+          <p:cNvPr id="271" name="Google Shape;271;p47"/>
+          <p:cNvPicPr preferRelativeResize="0"/>
+          <p:nvPr/>
+        </p:nvPicPr>
+        <p:blipFill>
+          <a:blip r:embed="rId3">
+            <a:alphaModFix/>
+          </a:blip>
+          <a:stretch>
+            <a:fillRect/>
+          </a:stretch>
+        </p:blipFill>
+        <p:spPr>
+          <a:xfrm>
+            <a:off x="152400" y="2013150"/>
+            <a:ext cx="2218925" cy="2968250"/>
+          </a:xfrm>
+          <a:prstGeom prst="rect">
+            <a:avLst/>
+          </a:prstGeom>
+          <a:noFill/>
+          <a:ln w="19050" cap="flat" cmpd="sng">
+            <a:solidFill>
+              <a:schemeClr val="dk2"/>
+            </a:solidFill>
+            <a:prstDash val="solid"/>
+            <a:round/>
+            <a:headEnd type="none" w="sm" len="sm"/>
+            <a:tailEnd type="none" w="sm" len="sm"/>
+          </a:ln>
+        </p:spPr>
+      </p:pic>
+      <p:pic>
+        <p:nvPicPr>
+          <p:cNvPr id="272" name="Google Shape;272;p47"/>
+          <p:cNvPicPr preferRelativeResize="0"/>
+          <p:nvPr/>
+        </p:nvPicPr>
+        <p:blipFill>
+          <a:blip r:embed="rId4">
+            <a:alphaModFix/>
+          </a:blip>
+          <a:stretch>
+            <a:fillRect/>
+          </a:stretch>
+        </p:blipFill>
+        <p:spPr>
+          <a:xfrm>
+            <a:off x="4942750" y="1554700"/>
+            <a:ext cx="3865425" cy="3328724"/>
+          </a:xfrm>
+          <a:prstGeom prst="rect">
+            <a:avLst/>
+          </a:prstGeom>
+          <a:noFill/>
+          <a:ln w="19050" cap="flat" cmpd="sng">
+            <a:solidFill>
+              <a:schemeClr val="dk2"/>
+            </a:solidFill>
+            <a:prstDash val="solid"/>
+            <a:round/>
+            <a:headEnd type="none" w="sm" len="sm"/>
+            <a:tailEnd type="none" w="sm" len="sm"/>
+          </a:ln>
+        </p:spPr>
+      </p:pic>
+    </p:spTree>
+  </p:cSld>
+  <p:clrMapOvr>
+    <a:masterClrMapping/>
+  </p:clrMapOvr>
+</p:sld>
+</file>
+
+<file path=ppt/slides/slide36.xml><?xml version="1.0" encoding="utf-8"?>
+<p:sld xmlns:a="http://schemas.openxmlformats.org/drawingml/2006/main" xmlns:r="http://schemas.openxmlformats.org/officeDocument/2006/relationships" xmlns:p="http://schemas.openxmlformats.org/presentationml/2006/main">
+  <p:cSld>
+    <p:spTree>
+      <p:nvGrpSpPr>
+        <p:cNvPr id="1" name="Shape 276"/>
+        <p:cNvGrpSpPr/>
+        <p:nvPr/>
+      </p:nvGrpSpPr>
+      <p:grpSpPr>
+        <a:xfrm>
+          <a:off x="0" y="0"/>
+          <a:ext cx="0" cy="0"/>
+          <a:chOff x="0" y="0"/>
+          <a:chExt cx="0" cy="0"/>
+        </a:xfrm>
+      </p:grpSpPr>
+      <p:pic>
+        <p:nvPicPr>
+          <p:cNvPr id="277" name="Google Shape;277;p48"/>
+          <p:cNvPicPr preferRelativeResize="0"/>
+          <p:nvPr/>
+        </p:nvPicPr>
+        <p:blipFill>
+          <a:blip r:embed="rId3">
+            <a:alphaModFix/>
+          </a:blip>
+          <a:stretch>
+            <a:fillRect/>
+          </a:stretch>
+        </p:blipFill>
+        <p:spPr>
+          <a:xfrm>
+            <a:off x="3925575" y="936425"/>
+            <a:ext cx="2528875" cy="4054674"/>
+          </a:xfrm>
+          <a:prstGeom prst="rect">
+            <a:avLst/>
+          </a:prstGeom>
+          <a:noFill/>
+          <a:ln w="19050" cap="flat" cmpd="sng">
+            <a:solidFill>
+              <a:schemeClr val="dk2"/>
+            </a:solidFill>
+            <a:prstDash val="solid"/>
+            <a:round/>
+            <a:headEnd type="none" w="sm" len="sm"/>
+            <a:tailEnd type="none" w="sm" len="sm"/>
+          </a:ln>
+        </p:spPr>
+      </p:pic>
+      <p:pic>
+        <p:nvPicPr>
+          <p:cNvPr id="278" name="Google Shape;278;p48"/>
+          <p:cNvPicPr preferRelativeResize="0"/>
+          <p:nvPr/>
+        </p:nvPicPr>
+        <p:blipFill>
+          <a:blip r:embed="rId4">
+            <a:alphaModFix/>
+          </a:blip>
+          <a:stretch>
+            <a:fillRect/>
+          </a:stretch>
+        </p:blipFill>
+        <p:spPr>
+          <a:xfrm>
+            <a:off x="6626475" y="2233075"/>
+            <a:ext cx="2253025" cy="2758024"/>
+          </a:xfrm>
+          <a:prstGeom prst="rect">
+            <a:avLst/>
+          </a:prstGeom>
+          <a:noFill/>
+          <a:ln w="19050" cap="flat" cmpd="sng">
+            <a:solidFill>
+              <a:schemeClr val="dk2"/>
+            </a:solidFill>
+            <a:prstDash val="solid"/>
+            <a:round/>
+            <a:headEnd type="none" w="sm" len="sm"/>
+            <a:tailEnd type="none" w="sm" len="sm"/>
+          </a:ln>
+        </p:spPr>
+      </p:pic>
+      <p:pic>
+        <p:nvPicPr>
+          <p:cNvPr id="279" name="Google Shape;279;p48"/>
+          <p:cNvPicPr preferRelativeResize="0"/>
+          <p:nvPr/>
+        </p:nvPicPr>
+        <p:blipFill rotWithShape="1">
+          <a:blip r:embed="rId5">
+            <a:alphaModFix/>
+          </a:blip>
+          <a:srcRect t="4049"/>
+          <a:stretch/>
+        </p:blipFill>
+        <p:spPr>
+          <a:xfrm>
+            <a:off x="152400" y="1582475"/>
+            <a:ext cx="3601150" cy="3408625"/>
+          </a:xfrm>
+          <a:prstGeom prst="rect">
+            <a:avLst/>
+          </a:prstGeom>
+          <a:noFill/>
+          <a:ln w="19050" cap="flat" cmpd="sng">
+            <a:solidFill>
+              <a:schemeClr val="dk2"/>
+            </a:solidFill>
+            <a:prstDash val="solid"/>
+            <a:round/>
+            <a:headEnd type="none" w="sm" len="sm"/>
+            <a:tailEnd type="none" w="sm" len="sm"/>
+          </a:ln>
+        </p:spPr>
+      </p:pic>
+      <p:sp>
+        <p:nvSpPr>
+          <p:cNvPr id="280" name="Google Shape;280;p48"/>
+          <p:cNvSpPr txBox="1"/>
+          <p:nvPr/>
+        </p:nvSpPr>
+        <p:spPr>
+          <a:xfrm>
+            <a:off x="152400" y="1115525"/>
+            <a:ext cx="3000000" cy="400200"/>
+          </a:xfrm>
+          <a:prstGeom prst="rect">
+            <a:avLst/>
+          </a:prstGeom>
+          <a:noFill/>
+          <a:ln>
+            <a:noFill/>
+          </a:ln>
+        </p:spPr>
+        <p:txBody>
+          <a:bodyPr spcFirstLastPara="1" wrap="square" lIns="91425" tIns="91425" rIns="91425" bIns="91425" anchor="t" anchorCtr="0">
+            <a:spAutoFit/>
+          </a:bodyPr>
+          <a:lstStyle/>
+          <a:p>
+            <a:pPr marL="0" lvl="0" indent="0" algn="l" rtl="0">
+              <a:spcBef>
+                <a:spcPts val="0"/>
+              </a:spcBef>
+              <a:spcAft>
+                <a:spcPts val="0"/>
+              </a:spcAft>
+              <a:buNone/>
+            </a:pPr>
+            <a:r>
+              <a:rPr lang="it"/>
+              <a:t>https://authn.edx.org/login</a:t>
+            </a:r>
+            <a:endParaRPr/>
+          </a:p>
+        </p:txBody>
+      </p:sp>
+    </p:spTree>
+  </p:cSld>
+  <p:clrMapOvr>
+    <a:masterClrMapping/>
+  </p:clrMapOvr>
+</p:sld>
+</file>
+
+<file path=ppt/slides/slide37.xml><?xml version="1.0" encoding="utf-8"?>
+<p:sld xmlns:a="http://schemas.openxmlformats.org/drawingml/2006/main" xmlns:r="http://schemas.openxmlformats.org/officeDocument/2006/relationships" xmlns:p="http://schemas.openxmlformats.org/presentationml/2006/main">
+  <p:cSld>
+    <p:spTree>
+      <p:nvGrpSpPr>
+        <p:cNvPr id="1" name="Shape 284"/>
+        <p:cNvGrpSpPr/>
+        <p:nvPr/>
+      </p:nvGrpSpPr>
+      <p:grpSpPr>
+        <a:xfrm>
+          <a:off x="0" y="0"/>
+          <a:ext cx="0" cy="0"/>
+          <a:chOff x="0" y="0"/>
+          <a:chExt cx="0" cy="0"/>
+        </a:xfrm>
+      </p:grpSpPr>
+      <p:pic>
+        <p:nvPicPr>
+          <p:cNvPr id="285" name="Google Shape;285;p49"/>
+          <p:cNvPicPr preferRelativeResize="0"/>
+          <p:nvPr/>
+        </p:nvPicPr>
+        <p:blipFill>
+          <a:blip r:embed="rId3">
+            <a:alphaModFix/>
+          </a:blip>
+          <a:stretch>
+            <a:fillRect/>
+          </a:stretch>
+        </p:blipFill>
+        <p:spPr>
+          <a:xfrm>
+            <a:off x="111000" y="1085500"/>
+            <a:ext cx="2598900" cy="3905600"/>
+          </a:xfrm>
+          <a:prstGeom prst="rect">
+            <a:avLst/>
+          </a:prstGeom>
+          <a:noFill/>
+          <a:ln w="19050" cap="flat" cmpd="sng">
+            <a:solidFill>
+              <a:schemeClr val="dk2"/>
+            </a:solidFill>
+            <a:prstDash val="solid"/>
+            <a:round/>
+            <a:headEnd type="none" w="sm" len="sm"/>
+            <a:tailEnd type="none" w="sm" len="sm"/>
+          </a:ln>
+        </p:spPr>
+      </p:pic>
+      <p:pic>
+        <p:nvPicPr>
+          <p:cNvPr id="286" name="Google Shape;286;p49"/>
+          <p:cNvPicPr preferRelativeResize="0"/>
+          <p:nvPr/>
+        </p:nvPicPr>
+        <p:blipFill>
+          <a:blip r:embed="rId4">
+            <a:alphaModFix/>
+          </a:blip>
+          <a:stretch>
+            <a:fillRect/>
+          </a:stretch>
+        </p:blipFill>
+        <p:spPr>
+          <a:xfrm>
+            <a:off x="2886825" y="720801"/>
+            <a:ext cx="2757625" cy="4270298"/>
+          </a:xfrm>
+          <a:prstGeom prst="rect">
+            <a:avLst/>
+          </a:prstGeom>
+          <a:noFill/>
+          <a:ln>
+            <a:noFill/>
+          </a:ln>
+        </p:spPr>
+      </p:pic>
+      <p:pic>
+        <p:nvPicPr>
+          <p:cNvPr id="287" name="Google Shape;287;p49"/>
+          <p:cNvPicPr preferRelativeResize="0"/>
+          <p:nvPr/>
+        </p:nvPicPr>
+        <p:blipFill>
+          <a:blip r:embed="rId5">
+            <a:alphaModFix/>
+          </a:blip>
+          <a:stretch>
+            <a:fillRect/>
+          </a:stretch>
+        </p:blipFill>
+        <p:spPr>
+          <a:xfrm>
+            <a:off x="5821375" y="1862675"/>
+            <a:ext cx="3171025" cy="3128424"/>
+          </a:xfrm>
+          <a:prstGeom prst="rect">
+            <a:avLst/>
+          </a:prstGeom>
+          <a:noFill/>
+          <a:ln w="19050" cap="flat" cmpd="sng">
+            <a:solidFill>
+              <a:schemeClr val="dk2"/>
+            </a:solidFill>
+            <a:prstDash val="solid"/>
+            <a:round/>
+            <a:headEnd type="none" w="sm" len="sm"/>
+            <a:tailEnd type="none" w="sm" len="sm"/>
+          </a:ln>
+        </p:spPr>
+      </p:pic>
+      <p:sp>
+        <p:nvSpPr>
+          <p:cNvPr id="288" name="Google Shape;288;p49"/>
+          <p:cNvSpPr txBox="1"/>
+          <p:nvPr/>
+        </p:nvSpPr>
+        <p:spPr>
+          <a:xfrm>
+            <a:off x="5821375" y="1462475"/>
+            <a:ext cx="3000000" cy="400200"/>
+          </a:xfrm>
+          <a:prstGeom prst="rect">
+            <a:avLst/>
+          </a:prstGeom>
+          <a:noFill/>
+          <a:ln>
+            <a:noFill/>
+          </a:ln>
+        </p:spPr>
+        <p:txBody>
+          <a:bodyPr spcFirstLastPara="1" wrap="square" lIns="91425" tIns="91425" rIns="91425" bIns="91425" anchor="t" anchorCtr="0">
+            <a:spAutoFit/>
+          </a:bodyPr>
+          <a:lstStyle/>
+          <a:p>
+            <a:pPr marL="0" lvl="0" indent="0" algn="l" rtl="0">
+              <a:spcBef>
+                <a:spcPts val="0"/>
+              </a:spcBef>
+              <a:spcAft>
+                <a:spcPts val="0"/>
+              </a:spcAft>
+              <a:buNone/>
+            </a:pPr>
+            <a:r>
+              <a:rPr lang="it"/>
+              <a:t>https://www.ifood.com.br/entrar</a:t>
+            </a:r>
+            <a:endParaRPr/>
+          </a:p>
+        </p:txBody>
+      </p:sp>
+    </p:spTree>
+  </p:cSld>
+  <p:clrMapOvr>
+    <a:masterClrMapping/>
+  </p:clrMapOvr>
+</p:sld>
+</file>
+
+<file path=ppt/slides/slide38.xml><?xml version="1.0" encoding="utf-8"?>
+<p:sld xmlns:a="http://schemas.openxmlformats.org/drawingml/2006/main" xmlns:r="http://schemas.openxmlformats.org/officeDocument/2006/relationships" xmlns:p="http://schemas.openxmlformats.org/presentationml/2006/main">
+  <p:cSld>
+    <p:spTree>
+      <p:nvGrpSpPr>
+        <p:cNvPr id="1" name="Shape 292"/>
+        <p:cNvGrpSpPr/>
+        <p:nvPr/>
+      </p:nvGrpSpPr>
+      <p:grpSpPr>
+        <a:xfrm>
+          <a:off x="0" y="0"/>
+          <a:ext cx="0" cy="0"/>
+          <a:chOff x="0" y="0"/>
+          <a:chExt cx="0" cy="0"/>
+        </a:xfrm>
+      </p:grpSpPr>
+      <p:pic>
+        <p:nvPicPr>
+          <p:cNvPr id="293" name="Google Shape;293;p50"/>
+          <p:cNvPicPr preferRelativeResize="0"/>
+          <p:nvPr/>
+        </p:nvPicPr>
+        <p:blipFill>
+          <a:blip r:embed="rId3">
+            <a:alphaModFix/>
+          </a:blip>
+          <a:stretch>
+            <a:fillRect/>
+          </a:stretch>
+        </p:blipFill>
+        <p:spPr>
+          <a:xfrm>
+            <a:off x="3033118" y="3038350"/>
+            <a:ext cx="3400425" cy="876300"/>
+          </a:xfrm>
+          <a:prstGeom prst="rect">
+            <a:avLst/>
+          </a:prstGeom>
+          <a:noFill/>
+          <a:ln>
+            <a:noFill/>
+          </a:ln>
+        </p:spPr>
+      </p:pic>
+      <p:pic>
+        <p:nvPicPr>
+          <p:cNvPr id="294" name="Google Shape;294;p50"/>
+          <p:cNvPicPr preferRelativeResize="0"/>
+          <p:nvPr/>
+        </p:nvPicPr>
+        <p:blipFill>
+          <a:blip r:embed="rId4">
+            <a:alphaModFix/>
+          </a:blip>
+          <a:stretch>
+            <a:fillRect/>
+          </a:stretch>
+        </p:blipFill>
+        <p:spPr>
+          <a:xfrm>
+            <a:off x="152400" y="152400"/>
+            <a:ext cx="3800892" cy="4375174"/>
+          </a:xfrm>
+          <a:prstGeom prst="rect">
+            <a:avLst/>
+          </a:prstGeom>
+          <a:noFill/>
+          <a:ln>
+            <a:noFill/>
+          </a:ln>
+        </p:spPr>
+      </p:pic>
+      <p:pic>
+        <p:nvPicPr>
+          <p:cNvPr id="295" name="Google Shape;295;p50"/>
+          <p:cNvPicPr preferRelativeResize="0"/>
+          <p:nvPr/>
+        </p:nvPicPr>
+        <p:blipFill>
+          <a:blip r:embed="rId5">
+            <a:alphaModFix/>
+          </a:blip>
+          <a:stretch>
+            <a:fillRect/>
+          </a:stretch>
+        </p:blipFill>
+        <p:spPr>
+          <a:xfrm>
+            <a:off x="5595022" y="152400"/>
+            <a:ext cx="3040675" cy="2465400"/>
+          </a:xfrm>
+          <a:prstGeom prst="rect">
+            <a:avLst/>
+          </a:prstGeom>
+          <a:noFill/>
+          <a:ln>
+            <a:noFill/>
+          </a:ln>
+        </p:spPr>
+      </p:pic>
+    </p:spTree>
+  </p:cSld>
+  <p:clrMapOvr>
+    <a:masterClrMapping/>
+  </p:clrMapOvr>
+</p:sld>
+</file>
+
+<file path=ppt/slides/slide39.xml><?xml version="1.0" encoding="utf-8"?>
+<p:sld xmlns:a="http://schemas.openxmlformats.org/drawingml/2006/main" xmlns:r="http://schemas.openxmlformats.org/officeDocument/2006/relationships" xmlns:p="http://schemas.openxmlformats.org/presentationml/2006/main">
+  <p:cSld>
+    <p:spTree>
+      <p:nvGrpSpPr>
+        <p:cNvPr id="1" name="Shape 299"/>
+        <p:cNvGrpSpPr/>
+        <p:nvPr/>
+      </p:nvGrpSpPr>
+      <p:grpSpPr>
+        <a:xfrm>
+          <a:off x="0" y="0"/>
+          <a:ext cx="0" cy="0"/>
+          <a:chOff x="0" y="0"/>
+          <a:chExt cx="0" cy="0"/>
+        </a:xfrm>
+      </p:grpSpPr>
+      <p:pic>
+        <p:nvPicPr>
+          <p:cNvPr id="300" name="Google Shape;300;p51"/>
+          <p:cNvPicPr preferRelativeResize="0"/>
+          <p:nvPr/>
+        </p:nvPicPr>
+        <p:blipFill>
+          <a:blip r:embed="rId3">
+            <a:alphaModFix/>
+          </a:blip>
+          <a:stretch>
+            <a:fillRect/>
+          </a:stretch>
+        </p:blipFill>
+        <p:spPr>
+          <a:xfrm>
+            <a:off x="152400" y="1748125"/>
+            <a:ext cx="2672175" cy="3242975"/>
+          </a:xfrm>
+          <a:prstGeom prst="rect">
+            <a:avLst/>
+          </a:prstGeom>
+          <a:noFill/>
+          <a:ln>
+            <a:noFill/>
+          </a:ln>
+        </p:spPr>
+      </p:pic>
+      <p:pic>
+        <p:nvPicPr>
+          <p:cNvPr id="301" name="Google Shape;301;p51"/>
+          <p:cNvPicPr preferRelativeResize="0"/>
+          <p:nvPr/>
+        </p:nvPicPr>
+        <p:blipFill>
+          <a:blip r:embed="rId4">
+            <a:alphaModFix/>
+          </a:blip>
+          <a:stretch>
+            <a:fillRect/>
+          </a:stretch>
+        </p:blipFill>
+        <p:spPr>
+          <a:xfrm>
+            <a:off x="2999726" y="1496225"/>
+            <a:ext cx="2941925" cy="3494875"/>
+          </a:xfrm>
+          <a:prstGeom prst="rect">
+            <a:avLst/>
+          </a:prstGeom>
+          <a:noFill/>
+          <a:ln>
+            <a:noFill/>
+          </a:ln>
+        </p:spPr>
+      </p:pic>
+      <p:sp>
+        <p:nvSpPr>
+          <p:cNvPr id="302" name="Google Shape;302;p51"/>
+          <p:cNvSpPr txBox="1"/>
+          <p:nvPr/>
+        </p:nvSpPr>
+        <p:spPr>
+          <a:xfrm>
+            <a:off x="2999725" y="1096025"/>
+            <a:ext cx="3000000" cy="400200"/>
+          </a:xfrm>
+          <a:prstGeom prst="rect">
+            <a:avLst/>
+          </a:prstGeom>
+          <a:noFill/>
+          <a:ln>
+            <a:noFill/>
+          </a:ln>
+        </p:spPr>
+        <p:txBody>
+          <a:bodyPr spcFirstLastPara="1" wrap="square" lIns="91425" tIns="91425" rIns="91425" bIns="91425" anchor="t" anchorCtr="0">
+            <a:spAutoFit/>
+          </a:bodyPr>
+          <a:lstStyle/>
+          <a:p>
+            <a:pPr marL="0" lvl="0" indent="0" algn="l" rtl="0">
+              <a:spcBef>
+                <a:spcPts val="0"/>
+              </a:spcBef>
+              <a:spcAft>
+                <a:spcPts val="0"/>
+              </a:spcAft>
+              <a:buNone/>
+            </a:pPr>
+            <a:r>
+              <a:rPr lang="it"/>
+              <a:t>https://shopee.com.br/</a:t>
+            </a:r>
+            <a:endParaRPr/>
+          </a:p>
+        </p:txBody>
+      </p:sp>
+      <p:sp>
+        <p:nvSpPr>
+          <p:cNvPr id="303" name="Google Shape;303;p51"/>
+          <p:cNvSpPr txBox="1"/>
+          <p:nvPr/>
+        </p:nvSpPr>
+        <p:spPr>
+          <a:xfrm>
+            <a:off x="152400" y="1347925"/>
+            <a:ext cx="2405100" cy="400200"/>
+          </a:xfrm>
+          <a:prstGeom prst="rect">
+            <a:avLst/>
+          </a:prstGeom>
+          <a:noFill/>
+          <a:ln>
+            <a:noFill/>
+          </a:ln>
+        </p:spPr>
+        <p:txBody>
+          <a:bodyPr spcFirstLastPara="1" wrap="square" lIns="91425" tIns="91425" rIns="91425" bIns="91425" anchor="t" anchorCtr="0">
+            <a:spAutoFit/>
+          </a:bodyPr>
+          <a:lstStyle/>
+          <a:p>
+            <a:pPr marL="0" lvl="0" indent="0" algn="l" rtl="0">
+              <a:spcBef>
+                <a:spcPts val="0"/>
+              </a:spcBef>
+              <a:spcAft>
+                <a:spcPts val="0"/>
+              </a:spcAft>
+              <a:buNone/>
+            </a:pPr>
+            <a:r>
+              <a:rPr lang="it"/>
+              <a:t>https://best.aliexpress.com/</a:t>
+            </a:r>
+            <a:endParaRPr/>
+          </a:p>
+        </p:txBody>
+      </p:sp>
+      <p:pic>
+        <p:nvPicPr>
+          <p:cNvPr id="304" name="Google Shape;304;p51"/>
+          <p:cNvPicPr preferRelativeResize="0"/>
+          <p:nvPr/>
+        </p:nvPicPr>
+        <p:blipFill>
+          <a:blip r:embed="rId5">
+            <a:alphaModFix/>
+          </a:blip>
+          <a:stretch>
+            <a:fillRect/>
+          </a:stretch>
+        </p:blipFill>
+        <p:spPr>
+          <a:xfrm>
+            <a:off x="6116800" y="2312950"/>
+            <a:ext cx="2776750" cy="2678150"/>
           </a:xfrm>
           <a:prstGeom prst="rect">
             <a:avLst/>
@@ -10828,6 +15036,726 @@
         </p:spPr>
       </p:pic>
     </p:spTree>
+  </p:cSld>
+  <p:clrMapOvr>
+    <a:masterClrMapping/>
+  </p:clrMapOvr>
+</p:sld>
+</file>
+
+<file path=ppt/slides/slide40.xml><?xml version="1.0" encoding="utf-8"?>
+<p:sld xmlns:a="http://schemas.openxmlformats.org/drawingml/2006/main" xmlns:r="http://schemas.openxmlformats.org/officeDocument/2006/relationships" xmlns:p="http://schemas.openxmlformats.org/presentationml/2006/main">
+  <p:cSld>
+    <p:spTree>
+      <p:nvGrpSpPr>
+        <p:cNvPr id="1" name="Shape 308"/>
+        <p:cNvGrpSpPr/>
+        <p:nvPr/>
+      </p:nvGrpSpPr>
+      <p:grpSpPr>
+        <a:xfrm>
+          <a:off x="0" y="0"/>
+          <a:ext cx="0" cy="0"/>
+          <a:chOff x="0" y="0"/>
+          <a:chExt cx="0" cy="0"/>
+        </a:xfrm>
+      </p:grpSpPr>
+      <p:pic>
+        <p:nvPicPr>
+          <p:cNvPr id="309" name="Google Shape;309;p52"/>
+          <p:cNvPicPr preferRelativeResize="0"/>
+          <p:nvPr/>
+        </p:nvPicPr>
+        <p:blipFill>
+          <a:blip r:embed="rId3">
+            <a:alphaModFix/>
+          </a:blip>
+          <a:stretch>
+            <a:fillRect/>
+          </a:stretch>
+        </p:blipFill>
+        <p:spPr>
+          <a:xfrm>
+            <a:off x="152400" y="1615750"/>
+            <a:ext cx="3350850" cy="3375350"/>
+          </a:xfrm>
+          <a:prstGeom prst="rect">
+            <a:avLst/>
+          </a:prstGeom>
+          <a:noFill/>
+          <a:ln>
+            <a:noFill/>
+          </a:ln>
+        </p:spPr>
+      </p:pic>
+      <p:sp>
+        <p:nvSpPr>
+          <p:cNvPr id="310" name="Google Shape;310;p52"/>
+          <p:cNvSpPr txBox="1"/>
+          <p:nvPr/>
+        </p:nvSpPr>
+        <p:spPr>
+          <a:xfrm>
+            <a:off x="152400" y="1215550"/>
+            <a:ext cx="3000000" cy="400200"/>
+          </a:xfrm>
+          <a:prstGeom prst="rect">
+            <a:avLst/>
+          </a:prstGeom>
+          <a:noFill/>
+          <a:ln>
+            <a:noFill/>
+          </a:ln>
+        </p:spPr>
+        <p:txBody>
+          <a:bodyPr spcFirstLastPara="1" wrap="square" lIns="91425" tIns="91425" rIns="91425" bIns="91425" anchor="t" anchorCtr="0">
+            <a:spAutoFit/>
+          </a:bodyPr>
+          <a:lstStyle/>
+          <a:p>
+            <a:pPr marL="0" lvl="0" indent="0" algn="l" rtl="0">
+              <a:spcBef>
+                <a:spcPts val="0"/>
+              </a:spcBef>
+              <a:spcAft>
+                <a:spcPts val="0"/>
+              </a:spcAft>
+              <a:buNone/>
+            </a:pPr>
+            <a:r>
+              <a:rPr lang="it"/>
+              <a:t>https://www.flashscore.pt/</a:t>
+            </a:r>
+            <a:endParaRPr/>
+          </a:p>
+        </p:txBody>
+      </p:sp>
+      <p:pic>
+        <p:nvPicPr>
+          <p:cNvPr id="311" name="Google Shape;311;p52"/>
+          <p:cNvPicPr preferRelativeResize="0"/>
+          <p:nvPr/>
+        </p:nvPicPr>
+        <p:blipFill>
+          <a:blip r:embed="rId4">
+            <a:alphaModFix/>
+          </a:blip>
+          <a:stretch>
+            <a:fillRect/>
+          </a:stretch>
+        </p:blipFill>
+        <p:spPr>
+          <a:xfrm>
+            <a:off x="3655650" y="2098925"/>
+            <a:ext cx="2601425" cy="2892175"/>
+          </a:xfrm>
+          <a:prstGeom prst="rect">
+            <a:avLst/>
+          </a:prstGeom>
+          <a:noFill/>
+          <a:ln>
+            <a:noFill/>
+          </a:ln>
+        </p:spPr>
+      </p:pic>
+      <p:pic>
+        <p:nvPicPr>
+          <p:cNvPr id="312" name="Google Shape;312;p52"/>
+          <p:cNvPicPr preferRelativeResize="0"/>
+          <p:nvPr/>
+        </p:nvPicPr>
+        <p:blipFill>
+          <a:blip r:embed="rId5">
+            <a:alphaModFix/>
+          </a:blip>
+          <a:stretch>
+            <a:fillRect/>
+          </a:stretch>
+        </p:blipFill>
+        <p:spPr>
+          <a:xfrm>
+            <a:off x="6409474" y="2211950"/>
+            <a:ext cx="2582125" cy="2182956"/>
+          </a:xfrm>
+          <a:prstGeom prst="rect">
+            <a:avLst/>
+          </a:prstGeom>
+          <a:noFill/>
+          <a:ln w="19050" cap="flat" cmpd="sng">
+            <a:solidFill>
+              <a:schemeClr val="dk2"/>
+            </a:solidFill>
+            <a:prstDash val="solid"/>
+            <a:round/>
+            <a:headEnd type="none" w="sm" len="sm"/>
+            <a:tailEnd type="none" w="sm" len="sm"/>
+          </a:ln>
+        </p:spPr>
+      </p:pic>
+      <p:sp>
+        <p:nvSpPr>
+          <p:cNvPr id="313" name="Google Shape;313;p52"/>
+          <p:cNvSpPr txBox="1"/>
+          <p:nvPr/>
+        </p:nvSpPr>
+        <p:spPr>
+          <a:xfrm>
+            <a:off x="6360925" y="1764850"/>
+            <a:ext cx="2106600" cy="400200"/>
+          </a:xfrm>
+          <a:prstGeom prst="rect">
+            <a:avLst/>
+          </a:prstGeom>
+          <a:noFill/>
+          <a:ln>
+            <a:noFill/>
+          </a:ln>
+        </p:spPr>
+        <p:txBody>
+          <a:bodyPr spcFirstLastPara="1" wrap="square" lIns="91425" tIns="91425" rIns="91425" bIns="91425" anchor="t" anchorCtr="0">
+            <a:spAutoFit/>
+          </a:bodyPr>
+          <a:lstStyle/>
+          <a:p>
+            <a:pPr marL="0" lvl="0" indent="0" algn="l" rtl="0">
+              <a:spcBef>
+                <a:spcPts val="0"/>
+              </a:spcBef>
+              <a:spcAft>
+                <a:spcPts val="0"/>
+              </a:spcAft>
+              <a:buNone/>
+            </a:pPr>
+            <a:r>
+              <a:rPr lang="it"/>
+              <a:t>https://pt.duolingo.com/</a:t>
+            </a:r>
+            <a:endParaRPr/>
+          </a:p>
+        </p:txBody>
+      </p:sp>
+    </p:spTree>
+  </p:cSld>
+  <p:clrMapOvr>
+    <a:masterClrMapping/>
+  </p:clrMapOvr>
+</p:sld>
+</file>
+
+<file path=ppt/slides/slide41.xml><?xml version="1.0" encoding="utf-8"?>
+<p:sld xmlns:a="http://schemas.openxmlformats.org/drawingml/2006/main" xmlns:r="http://schemas.openxmlformats.org/officeDocument/2006/relationships" xmlns:p="http://schemas.openxmlformats.org/presentationml/2006/main">
+  <p:cSld>
+    <p:spTree>
+      <p:nvGrpSpPr>
+        <p:cNvPr id="1" name="Shape 317"/>
+        <p:cNvGrpSpPr/>
+        <p:nvPr/>
+      </p:nvGrpSpPr>
+      <p:grpSpPr>
+        <a:xfrm>
+          <a:off x="0" y="0"/>
+          <a:ext cx="0" cy="0"/>
+          <a:chOff x="0" y="0"/>
+          <a:chExt cx="0" cy="0"/>
+        </a:xfrm>
+      </p:grpSpPr>
+      <p:pic>
+        <p:nvPicPr>
+          <p:cNvPr id="318" name="Google Shape;318;p53"/>
+          <p:cNvPicPr preferRelativeResize="0"/>
+          <p:nvPr/>
+        </p:nvPicPr>
+        <p:blipFill>
+          <a:blip r:embed="rId3">
+            <a:alphaModFix/>
+          </a:blip>
+          <a:stretch>
+            <a:fillRect/>
+          </a:stretch>
+        </p:blipFill>
+        <p:spPr>
+          <a:xfrm>
+            <a:off x="152400" y="1608175"/>
+            <a:ext cx="1939125" cy="3382924"/>
+          </a:xfrm>
+          <a:prstGeom prst="rect">
+            <a:avLst/>
+          </a:prstGeom>
+          <a:noFill/>
+          <a:ln w="19050" cap="flat" cmpd="sng">
+            <a:solidFill>
+              <a:schemeClr val="dk2"/>
+            </a:solidFill>
+            <a:prstDash val="solid"/>
+            <a:round/>
+            <a:headEnd type="none" w="sm" len="sm"/>
+            <a:tailEnd type="none" w="sm" len="sm"/>
+          </a:ln>
+        </p:spPr>
+      </p:pic>
+      <p:sp>
+        <p:nvSpPr>
+          <p:cNvPr id="319" name="Google Shape;319;p53"/>
+          <p:cNvSpPr txBox="1"/>
+          <p:nvPr/>
+        </p:nvSpPr>
+        <p:spPr>
+          <a:xfrm>
+            <a:off x="152400" y="1207975"/>
+            <a:ext cx="2304600" cy="400200"/>
+          </a:xfrm>
+          <a:prstGeom prst="rect">
+            <a:avLst/>
+          </a:prstGeom>
+          <a:noFill/>
+          <a:ln>
+            <a:noFill/>
+          </a:ln>
+        </p:spPr>
+        <p:txBody>
+          <a:bodyPr spcFirstLastPara="1" wrap="square" lIns="91425" tIns="91425" rIns="91425" bIns="91425" anchor="t" anchorCtr="0">
+            <a:spAutoFit/>
+          </a:bodyPr>
+          <a:lstStyle/>
+          <a:p>
+            <a:pPr marL="0" lvl="0" indent="0" algn="l" rtl="0">
+              <a:spcBef>
+                <a:spcPts val="0"/>
+              </a:spcBef>
+              <a:spcAft>
+                <a:spcPts val="0"/>
+              </a:spcAft>
+              <a:buNone/>
+            </a:pPr>
+            <a:r>
+              <a:rPr lang="it"/>
+              <a:t>https://sso.revolut.com/</a:t>
+            </a:r>
+            <a:endParaRPr/>
+          </a:p>
+        </p:txBody>
+      </p:sp>
+      <p:pic>
+        <p:nvPicPr>
+          <p:cNvPr id="320" name="Google Shape;320;p53"/>
+          <p:cNvPicPr preferRelativeResize="0"/>
+          <p:nvPr/>
+        </p:nvPicPr>
+        <p:blipFill>
+          <a:blip r:embed="rId4">
+            <a:alphaModFix/>
+          </a:blip>
+          <a:stretch>
+            <a:fillRect/>
+          </a:stretch>
+        </p:blipFill>
+        <p:spPr>
+          <a:xfrm>
+            <a:off x="2609400" y="908123"/>
+            <a:ext cx="1962600" cy="4082978"/>
+          </a:xfrm>
+          <a:prstGeom prst="rect">
+            <a:avLst/>
+          </a:prstGeom>
+          <a:noFill/>
+          <a:ln>
+            <a:noFill/>
+          </a:ln>
+        </p:spPr>
+      </p:pic>
+      <p:sp>
+        <p:nvSpPr>
+          <p:cNvPr id="321" name="Google Shape;321;p53"/>
+          <p:cNvSpPr txBox="1"/>
+          <p:nvPr/>
+        </p:nvSpPr>
+        <p:spPr>
+          <a:xfrm>
+            <a:off x="2609400" y="507925"/>
+            <a:ext cx="2457000" cy="400200"/>
+          </a:xfrm>
+          <a:prstGeom prst="rect">
+            <a:avLst/>
+          </a:prstGeom>
+          <a:noFill/>
+          <a:ln>
+            <a:noFill/>
+          </a:ln>
+        </p:spPr>
+        <p:txBody>
+          <a:bodyPr spcFirstLastPara="1" wrap="square" lIns="91425" tIns="91425" rIns="91425" bIns="91425" anchor="t" anchorCtr="0">
+            <a:spAutoFit/>
+          </a:bodyPr>
+          <a:lstStyle/>
+          <a:p>
+            <a:pPr marL="0" lvl="0" indent="0" algn="l" rtl="0">
+              <a:spcBef>
+                <a:spcPts val="0"/>
+              </a:spcBef>
+              <a:spcAft>
+                <a:spcPts val="0"/>
+              </a:spcAft>
+              <a:buNone/>
+            </a:pPr>
+            <a:r>
+              <a:rPr lang="it"/>
+              <a:t>https://www.viki.com/sign-in</a:t>
+            </a:r>
+            <a:endParaRPr/>
+          </a:p>
+        </p:txBody>
+      </p:sp>
+      <p:pic>
+        <p:nvPicPr>
+          <p:cNvPr id="322" name="Google Shape;322;p53"/>
+          <p:cNvPicPr preferRelativeResize="0"/>
+          <p:nvPr/>
+        </p:nvPicPr>
+        <p:blipFill>
+          <a:blip r:embed="rId5">
+            <a:alphaModFix/>
+          </a:blip>
+          <a:stretch>
+            <a:fillRect/>
+          </a:stretch>
+        </p:blipFill>
+        <p:spPr>
+          <a:xfrm>
+            <a:off x="5089875" y="1369900"/>
+            <a:ext cx="2682375" cy="3621201"/>
+          </a:xfrm>
+          <a:prstGeom prst="rect">
+            <a:avLst/>
+          </a:prstGeom>
+          <a:noFill/>
+          <a:ln w="19050" cap="flat" cmpd="sng">
+            <a:solidFill>
+              <a:schemeClr val="dk2"/>
+            </a:solidFill>
+            <a:prstDash val="solid"/>
+            <a:round/>
+            <a:headEnd type="none" w="sm" len="sm"/>
+            <a:tailEnd type="none" w="sm" len="sm"/>
+          </a:ln>
+        </p:spPr>
+      </p:pic>
+      <p:sp>
+        <p:nvSpPr>
+          <p:cNvPr id="323" name="Google Shape;323;p53"/>
+          <p:cNvSpPr txBox="1"/>
+          <p:nvPr/>
+        </p:nvSpPr>
+        <p:spPr>
+          <a:xfrm>
+            <a:off x="5089875" y="969700"/>
+            <a:ext cx="3000000" cy="400200"/>
+          </a:xfrm>
+          <a:prstGeom prst="rect">
+            <a:avLst/>
+          </a:prstGeom>
+          <a:noFill/>
+          <a:ln>
+            <a:noFill/>
+          </a:ln>
+        </p:spPr>
+        <p:txBody>
+          <a:bodyPr spcFirstLastPara="1" wrap="square" lIns="91425" tIns="91425" rIns="91425" bIns="91425" anchor="t" anchorCtr="0">
+            <a:spAutoFit/>
+          </a:bodyPr>
+          <a:lstStyle/>
+          <a:p>
+            <a:pPr marL="0" lvl="0" indent="0" algn="l" rtl="0">
+              <a:spcBef>
+                <a:spcPts val="0"/>
+              </a:spcBef>
+              <a:spcAft>
+                <a:spcPts val="0"/>
+              </a:spcAft>
+              <a:buNone/>
+            </a:pPr>
+            <a:r>
+              <a:rPr lang="it"/>
+              <a:t>https://auth.uber.com/</a:t>
+            </a:r>
+            <a:endParaRPr/>
+          </a:p>
+        </p:txBody>
+      </p:sp>
+    </p:spTree>
+  </p:cSld>
+  <p:clrMapOvr>
+    <a:masterClrMapping/>
+  </p:clrMapOvr>
+</p:sld>
+</file>
+
+<file path=ppt/slides/slide42.xml><?xml version="1.0" encoding="utf-8"?>
+<p:sld xmlns:a="http://schemas.openxmlformats.org/drawingml/2006/main" xmlns:r="http://schemas.openxmlformats.org/officeDocument/2006/relationships" xmlns:p="http://schemas.openxmlformats.org/presentationml/2006/main">
+  <p:cSld>
+    <p:spTree>
+      <p:nvGrpSpPr>
+        <p:cNvPr id="1" name="Shape 327"/>
+        <p:cNvGrpSpPr/>
+        <p:nvPr/>
+      </p:nvGrpSpPr>
+      <p:grpSpPr>
+        <a:xfrm>
+          <a:off x="0" y="0"/>
+          <a:ext cx="0" cy="0"/>
+          <a:chOff x="0" y="0"/>
+          <a:chExt cx="0" cy="0"/>
+        </a:xfrm>
+      </p:grpSpPr>
+      <p:pic>
+        <p:nvPicPr>
+          <p:cNvPr id="328" name="Google Shape;328;p54"/>
+          <p:cNvPicPr preferRelativeResize="0"/>
+          <p:nvPr/>
+        </p:nvPicPr>
+        <p:blipFill>
+          <a:blip r:embed="rId3">
+            <a:alphaModFix/>
+          </a:blip>
+          <a:stretch>
+            <a:fillRect/>
+          </a:stretch>
+        </p:blipFill>
+        <p:spPr>
+          <a:xfrm>
+            <a:off x="152400" y="1226300"/>
+            <a:ext cx="2667011" cy="3764799"/>
+          </a:xfrm>
+          <a:prstGeom prst="rect">
+            <a:avLst/>
+          </a:prstGeom>
+          <a:noFill/>
+          <a:ln>
+            <a:noFill/>
+          </a:ln>
+        </p:spPr>
+      </p:pic>
+      <p:pic>
+        <p:nvPicPr>
+          <p:cNvPr id="329" name="Google Shape;329;p54"/>
+          <p:cNvPicPr preferRelativeResize="0"/>
+          <p:nvPr/>
+        </p:nvPicPr>
+        <p:blipFill>
+          <a:blip r:embed="rId4">
+            <a:alphaModFix/>
+          </a:blip>
+          <a:stretch>
+            <a:fillRect/>
+          </a:stretch>
+        </p:blipFill>
+        <p:spPr>
+          <a:xfrm>
+            <a:off x="2937425" y="1226300"/>
+            <a:ext cx="2938200" cy="3764800"/>
+          </a:xfrm>
+          <a:prstGeom prst="rect">
+            <a:avLst/>
+          </a:prstGeom>
+          <a:noFill/>
+          <a:ln w="19050" cap="flat" cmpd="sng">
+            <a:solidFill>
+              <a:schemeClr val="dk2"/>
+            </a:solidFill>
+            <a:prstDash val="solid"/>
+            <a:round/>
+            <a:headEnd type="none" w="sm" len="sm"/>
+            <a:tailEnd type="none" w="sm" len="sm"/>
+          </a:ln>
+        </p:spPr>
+      </p:pic>
+    </p:spTree>
+  </p:cSld>
+  <p:clrMapOvr>
+    <a:masterClrMapping/>
+  </p:clrMapOvr>
+</p:sld>
+</file>
+
+<file path=ppt/slides/slide43.xml><?xml version="1.0" encoding="utf-8"?>
+<p:sld xmlns:a="http://schemas.openxmlformats.org/drawingml/2006/main" xmlns:r="http://schemas.openxmlformats.org/officeDocument/2006/relationships" xmlns:p="http://schemas.openxmlformats.org/presentationml/2006/main">
+  <p:cSld>
+    <p:spTree>
+      <p:nvGrpSpPr>
+        <p:cNvPr id="1" name="Shape 333"/>
+        <p:cNvGrpSpPr/>
+        <p:nvPr/>
+      </p:nvGrpSpPr>
+      <p:grpSpPr>
+        <a:xfrm>
+          <a:off x="0" y="0"/>
+          <a:ext cx="0" cy="0"/>
+          <a:chOff x="0" y="0"/>
+          <a:chExt cx="0" cy="0"/>
+        </a:xfrm>
+      </p:grpSpPr>
+      <p:pic>
+        <p:nvPicPr>
+          <p:cNvPr id="334" name="Google Shape;334;p55"/>
+          <p:cNvPicPr preferRelativeResize="0"/>
+          <p:nvPr/>
+        </p:nvPicPr>
+        <p:blipFill>
+          <a:blip r:embed="rId3">
+            <a:alphaModFix/>
+          </a:blip>
+          <a:stretch>
+            <a:fillRect/>
+          </a:stretch>
+        </p:blipFill>
+        <p:spPr>
+          <a:xfrm>
+            <a:off x="152400" y="152400"/>
+            <a:ext cx="2598441" cy="4838700"/>
+          </a:xfrm>
+          <a:prstGeom prst="rect">
+            <a:avLst/>
+          </a:prstGeom>
+          <a:noFill/>
+          <a:ln w="19050" cap="flat" cmpd="sng">
+            <a:solidFill>
+              <a:schemeClr val="dk2"/>
+            </a:solidFill>
+            <a:prstDash val="solid"/>
+            <a:round/>
+            <a:headEnd type="none" w="sm" len="sm"/>
+            <a:tailEnd type="none" w="sm" len="sm"/>
+          </a:ln>
+        </p:spPr>
+      </p:pic>
+      <p:pic>
+        <p:nvPicPr>
+          <p:cNvPr id="335" name="Google Shape;335;p55"/>
+          <p:cNvPicPr preferRelativeResize="0"/>
+          <p:nvPr/>
+        </p:nvPicPr>
+        <p:blipFill>
+          <a:blip r:embed="rId4">
+            <a:alphaModFix/>
+          </a:blip>
+          <a:stretch>
+            <a:fillRect/>
+          </a:stretch>
+        </p:blipFill>
+        <p:spPr>
+          <a:xfrm>
+            <a:off x="2903250" y="1913775"/>
+            <a:ext cx="2874925" cy="3077325"/>
+          </a:xfrm>
+          <a:prstGeom prst="rect">
+            <a:avLst/>
+          </a:prstGeom>
+          <a:noFill/>
+          <a:ln w="19050" cap="flat" cmpd="sng">
+            <a:solidFill>
+              <a:schemeClr val="dk2"/>
+            </a:solidFill>
+            <a:prstDash val="solid"/>
+            <a:round/>
+            <a:headEnd type="none" w="sm" len="sm"/>
+            <a:tailEnd type="none" w="sm" len="sm"/>
+          </a:ln>
+        </p:spPr>
+      </p:pic>
+      <p:pic>
+        <p:nvPicPr>
+          <p:cNvPr id="336" name="Google Shape;336;p55"/>
+          <p:cNvPicPr preferRelativeResize="0"/>
+          <p:nvPr/>
+        </p:nvPicPr>
+        <p:blipFill>
+          <a:blip r:embed="rId5">
+            <a:alphaModFix/>
+          </a:blip>
+          <a:stretch>
+            <a:fillRect/>
+          </a:stretch>
+        </p:blipFill>
+        <p:spPr>
+          <a:xfrm>
+            <a:off x="5930575" y="1347650"/>
+            <a:ext cx="2924575" cy="3643450"/>
+          </a:xfrm>
+          <a:prstGeom prst="rect">
+            <a:avLst/>
+          </a:prstGeom>
+          <a:noFill/>
+          <a:ln w="19050" cap="flat" cmpd="sng">
+            <a:solidFill>
+              <a:schemeClr val="dk2"/>
+            </a:solidFill>
+            <a:prstDash val="solid"/>
+            <a:round/>
+            <a:headEnd type="none" w="sm" len="sm"/>
+            <a:tailEnd type="none" w="sm" len="sm"/>
+          </a:ln>
+        </p:spPr>
+      </p:pic>
+    </p:spTree>
+  </p:cSld>
+  <p:clrMapOvr>
+    <a:masterClrMapping/>
+  </p:clrMapOvr>
+</p:sld>
+</file>
+
+<file path=ppt/slides/slide44.xml><?xml version="1.0" encoding="utf-8"?>
+<p:sld xmlns:a="http://schemas.openxmlformats.org/drawingml/2006/main" xmlns:r="http://schemas.openxmlformats.org/officeDocument/2006/relationships" xmlns:p="http://schemas.openxmlformats.org/presentationml/2006/main">
+  <p:cSld>
+    <p:spTree>
+      <p:nvGrpSpPr>
+        <p:cNvPr id="1" name=""/>
+        <p:cNvGrpSpPr/>
+        <p:nvPr/>
+      </p:nvGrpSpPr>
+      <p:grpSpPr>
+        <a:xfrm>
+          <a:off x="0" y="0"/>
+          <a:ext cx="0" cy="0"/>
+          <a:chOff x="0" y="0"/>
+          <a:chExt cx="0" cy="0"/>
+        </a:xfrm>
+      </p:grpSpPr>
+      <p:pic>
+        <p:nvPicPr>
+          <p:cNvPr id="6" name="Picture 5">
+            <a:extLst>
+              <a:ext uri="{FF2B5EF4-FFF2-40B4-BE49-F238E27FC236}">
+                <a16:creationId xmlns:a16="http://schemas.microsoft.com/office/drawing/2014/main" id="{E30B2437-5230-757C-6A04-86B2A873D4E7}"/>
+              </a:ext>
+            </a:extLst>
+          </p:cNvPr>
+          <p:cNvPicPr>
+            <a:picLocks noChangeAspect="1"/>
+          </p:cNvPicPr>
+          <p:nvPr/>
+        </p:nvPicPr>
+        <p:blipFill>
+          <a:blip r:embed="rId2"/>
+          <a:stretch>
+            <a:fillRect/>
+          </a:stretch>
+        </p:blipFill>
+        <p:spPr>
+          <a:xfrm>
+            <a:off x="309562" y="2152650"/>
+            <a:ext cx="8524875" cy="838200"/>
+          </a:xfrm>
+          <a:prstGeom prst="rect">
+            <a:avLst/>
+          </a:prstGeom>
+        </p:spPr>
+      </p:pic>
+    </p:spTree>
+    <p:extLst>
+      <p:ext uri="{BB962C8B-B14F-4D97-AF65-F5344CB8AC3E}">
+        <p14:creationId xmlns:p14="http://schemas.microsoft.com/office/powerpoint/2010/main" val="2060221538"/>
+      </p:ext>
+    </p:extLst>
   </p:cSld>
   <p:clrMapOvr>
     <a:masterClrMapping/>
